--- a/Univariant.pptx
+++ b/Univariant.pptx
@@ -5,13 +5,14 @@
     <p:sldMasterId id="2147483648" r:id="rId1"/>
   </p:sldMasterIdLst>
   <p:notesMasterIdLst>
-    <p:notesMasterId r:id="rId6"/>
+    <p:notesMasterId r:id="rId7"/>
   </p:notesMasterIdLst>
   <p:sldIdLst>
     <p:sldId id="370" r:id="rId2"/>
     <p:sldId id="371" r:id="rId3"/>
     <p:sldId id="372" r:id="rId4"/>
     <p:sldId id="373" r:id="rId5"/>
+    <p:sldId id="374" r:id="rId6"/>
   </p:sldIdLst>
   <p:sldSz cx="12192000" cy="6858000"/>
   <p:notesSz cx="6858000" cy="9144000"/>
@@ -200,7 +201,7 @@
           <a:p>
             <a:fld id="{3CD7ECCD-A5BC-9144-B11D-AC9947897FAF}" type="datetimeFigureOut">
               <a:rPr lang="es-ES" smtClean="0"/>
-              <a:t>8/2/23</a:t>
+              <a:t>30/9/23</a:t>
             </a:fld>
             <a:endParaRPr lang="es-ES"/>
           </a:p>
@@ -358,7 +359,7 @@
           <a:p>
             <a:fld id="{59750AEA-1A1E-CA4C-9A3E-B28DD6EB57EF}" type="slidenum">
               <a:rPr lang="es-ES" smtClean="0"/>
-              <a:t>‹Nº›</a:t>
+              <a:t>‹#›</a:t>
             </a:fld>
             <a:endParaRPr lang="es-ES"/>
           </a:p>
@@ -807,6 +808,91 @@
 </p:notes>
 </file>
 
+<file path=ppt/notesSlides/notesSlide5.xml><?xml version="1.0" encoding="utf-8"?>
+<p:notes xmlns:a="http://schemas.openxmlformats.org/drawingml/2006/main" xmlns:r="http://schemas.openxmlformats.org/officeDocument/2006/relationships" xmlns:p="http://schemas.openxmlformats.org/presentationml/2006/main">
+  <p:cSld>
+    <p:spTree>
+      <p:nvGrpSpPr>
+        <p:cNvPr id="1" name=""/>
+        <p:cNvGrpSpPr/>
+        <p:nvPr/>
+      </p:nvGrpSpPr>
+      <p:grpSpPr>
+        <a:xfrm>
+          <a:off x="0" y="0"/>
+          <a:ext cx="0" cy="0"/>
+          <a:chOff x="0" y="0"/>
+          <a:chExt cx="0" cy="0"/>
+        </a:xfrm>
+      </p:grpSpPr>
+      <p:sp>
+        <p:nvSpPr>
+          <p:cNvPr id="2" name="1 Marcador de imagen de diapositiva"/>
+          <p:cNvSpPr>
+            <a:spLocks noGrp="1" noRot="1" noChangeAspect="1"/>
+          </p:cNvSpPr>
+          <p:nvPr>
+            <p:ph type="sldImg"/>
+          </p:nvPr>
+        </p:nvSpPr>
+        <p:spPr/>
+      </p:sp>
+      <p:sp>
+        <p:nvSpPr>
+          <p:cNvPr id="3" name="2 Marcador de notas"/>
+          <p:cNvSpPr>
+            <a:spLocks noGrp="1"/>
+          </p:cNvSpPr>
+          <p:nvPr>
+            <p:ph type="body" idx="1"/>
+          </p:nvPr>
+        </p:nvSpPr>
+        <p:spPr/>
+        <p:txBody>
+          <a:bodyPr/>
+          <a:lstStyle/>
+          <a:p>
+            <a:endParaRPr lang="es-ES"/>
+          </a:p>
+        </p:txBody>
+      </p:sp>
+      <p:sp>
+        <p:nvSpPr>
+          <p:cNvPr id="4" name="3 Marcador de número de diapositiva"/>
+          <p:cNvSpPr>
+            <a:spLocks noGrp="1"/>
+          </p:cNvSpPr>
+          <p:nvPr>
+            <p:ph type="sldNum" sz="quarter" idx="10"/>
+          </p:nvPr>
+        </p:nvSpPr>
+        <p:spPr/>
+        <p:txBody>
+          <a:bodyPr/>
+          <a:lstStyle/>
+          <a:p>
+            <a:fld id="{C405C546-974B-411B-993B-2C5373BC9408}" type="slidenum">
+              <a:rPr lang="es-ES" smtClean="0"/>
+              <a:pPr/>
+              <a:t>5</a:t>
+            </a:fld>
+            <a:endParaRPr lang="es-ES"/>
+          </a:p>
+        </p:txBody>
+      </p:sp>
+    </p:spTree>
+    <p:extLst>
+      <p:ext uri="{BB962C8B-B14F-4D97-AF65-F5344CB8AC3E}">
+        <p14:creationId xmlns:p14="http://schemas.microsoft.com/office/powerpoint/2010/main" val="827622783"/>
+      </p:ext>
+    </p:extLst>
+  </p:cSld>
+  <p:clrMapOvr>
+    <a:masterClrMapping/>
+  </p:clrMapOvr>
+</p:notes>
+</file>
+
 <file path=ppt/slideLayouts/slideLayout1.xml><?xml version="1.0" encoding="utf-8"?>
 <p:sldLayout xmlns:a="http://schemas.openxmlformats.org/drawingml/2006/main" xmlns:r="http://schemas.openxmlformats.org/officeDocument/2006/relationships" xmlns:p="http://schemas.openxmlformats.org/presentationml/2006/main" type="title" preserve="1">
   <p:cSld name="Diapositiva de título">
@@ -954,7 +1040,7 @@
           <a:p>
             <a:fld id="{28F7B3B5-B5F0-3E45-979A-1E64AEC2953B}" type="datetimeFigureOut">
               <a:rPr lang="es-ES" smtClean="0"/>
-              <a:t>8/2/23</a:t>
+              <a:t>30/9/23</a:t>
             </a:fld>
             <a:endParaRPr lang="es-ES"/>
           </a:p>
@@ -1008,7 +1094,7 @@
           <a:p>
             <a:fld id="{963E8758-4966-C74A-B57E-B8E6D02E8AF4}" type="slidenum">
               <a:rPr lang="es-ES" smtClean="0"/>
-              <a:t>‹Nº›</a:t>
+              <a:t>‹#›</a:t>
             </a:fld>
             <a:endParaRPr lang="es-ES"/>
           </a:p>
@@ -1152,7 +1238,7 @@
           <a:p>
             <a:fld id="{28F7B3B5-B5F0-3E45-979A-1E64AEC2953B}" type="datetimeFigureOut">
               <a:rPr lang="es-ES" smtClean="0"/>
-              <a:t>8/2/23</a:t>
+              <a:t>30/9/23</a:t>
             </a:fld>
             <a:endParaRPr lang="es-ES"/>
           </a:p>
@@ -1206,7 +1292,7 @@
           <a:p>
             <a:fld id="{963E8758-4966-C74A-B57E-B8E6D02E8AF4}" type="slidenum">
               <a:rPr lang="es-ES" smtClean="0"/>
-              <a:t>‹Nº›</a:t>
+              <a:t>‹#›</a:t>
             </a:fld>
             <a:endParaRPr lang="es-ES"/>
           </a:p>
@@ -1360,7 +1446,7 @@
           <a:p>
             <a:fld id="{28F7B3B5-B5F0-3E45-979A-1E64AEC2953B}" type="datetimeFigureOut">
               <a:rPr lang="es-ES" smtClean="0"/>
-              <a:t>8/2/23</a:t>
+              <a:t>30/9/23</a:t>
             </a:fld>
             <a:endParaRPr lang="es-ES"/>
           </a:p>
@@ -1414,7 +1500,7 @@
           <a:p>
             <a:fld id="{963E8758-4966-C74A-B57E-B8E6D02E8AF4}" type="slidenum">
               <a:rPr lang="es-ES" smtClean="0"/>
-              <a:t>‹Nº›</a:t>
+              <a:t>‹#›</a:t>
             </a:fld>
             <a:endParaRPr lang="es-ES"/>
           </a:p>
@@ -1558,7 +1644,7 @@
           <a:p>
             <a:fld id="{28F7B3B5-B5F0-3E45-979A-1E64AEC2953B}" type="datetimeFigureOut">
               <a:rPr lang="es-ES" smtClean="0"/>
-              <a:t>8/2/23</a:t>
+              <a:t>30/9/23</a:t>
             </a:fld>
             <a:endParaRPr lang="es-ES"/>
           </a:p>
@@ -1612,7 +1698,7 @@
           <a:p>
             <a:fld id="{963E8758-4966-C74A-B57E-B8E6D02E8AF4}" type="slidenum">
               <a:rPr lang="es-ES" smtClean="0"/>
-              <a:t>‹Nº›</a:t>
+              <a:t>‹#›</a:t>
             </a:fld>
             <a:endParaRPr lang="es-ES"/>
           </a:p>
@@ -1833,7 +1919,7 @@
           <a:p>
             <a:fld id="{28F7B3B5-B5F0-3E45-979A-1E64AEC2953B}" type="datetimeFigureOut">
               <a:rPr lang="es-ES" smtClean="0"/>
-              <a:t>8/2/23</a:t>
+              <a:t>30/9/23</a:t>
             </a:fld>
             <a:endParaRPr lang="es-ES"/>
           </a:p>
@@ -1887,7 +1973,7 @@
           <a:p>
             <a:fld id="{963E8758-4966-C74A-B57E-B8E6D02E8AF4}" type="slidenum">
               <a:rPr lang="es-ES" smtClean="0"/>
-              <a:t>‹Nº›</a:t>
+              <a:t>‹#›</a:t>
             </a:fld>
             <a:endParaRPr lang="es-ES"/>
           </a:p>
@@ -2098,7 +2184,7 @@
           <a:p>
             <a:fld id="{28F7B3B5-B5F0-3E45-979A-1E64AEC2953B}" type="datetimeFigureOut">
               <a:rPr lang="es-ES" smtClean="0"/>
-              <a:t>8/2/23</a:t>
+              <a:t>30/9/23</a:t>
             </a:fld>
             <a:endParaRPr lang="es-ES"/>
           </a:p>
@@ -2152,7 +2238,7 @@
           <a:p>
             <a:fld id="{963E8758-4966-C74A-B57E-B8E6D02E8AF4}" type="slidenum">
               <a:rPr lang="es-ES" smtClean="0"/>
-              <a:t>‹Nº›</a:t>
+              <a:t>‹#›</a:t>
             </a:fld>
             <a:endParaRPr lang="es-ES"/>
           </a:p>
@@ -2510,7 +2596,7 @@
           <a:p>
             <a:fld id="{28F7B3B5-B5F0-3E45-979A-1E64AEC2953B}" type="datetimeFigureOut">
               <a:rPr lang="es-ES" smtClean="0"/>
-              <a:t>8/2/23</a:t>
+              <a:t>30/9/23</a:t>
             </a:fld>
             <a:endParaRPr lang="es-ES"/>
           </a:p>
@@ -2564,7 +2650,7 @@
           <a:p>
             <a:fld id="{963E8758-4966-C74A-B57E-B8E6D02E8AF4}" type="slidenum">
               <a:rPr lang="es-ES" smtClean="0"/>
-              <a:t>‹Nº›</a:t>
+              <a:t>‹#›</a:t>
             </a:fld>
             <a:endParaRPr lang="es-ES"/>
           </a:p>
@@ -2651,7 +2737,7 @@
           <a:p>
             <a:fld id="{28F7B3B5-B5F0-3E45-979A-1E64AEC2953B}" type="datetimeFigureOut">
               <a:rPr lang="es-ES" smtClean="0"/>
-              <a:t>8/2/23</a:t>
+              <a:t>30/9/23</a:t>
             </a:fld>
             <a:endParaRPr lang="es-ES"/>
           </a:p>
@@ -2705,7 +2791,7 @@
           <a:p>
             <a:fld id="{963E8758-4966-C74A-B57E-B8E6D02E8AF4}" type="slidenum">
               <a:rPr lang="es-ES" smtClean="0"/>
-              <a:t>‹Nº›</a:t>
+              <a:t>‹#›</a:t>
             </a:fld>
             <a:endParaRPr lang="es-ES"/>
           </a:p>
@@ -2764,7 +2850,7 @@
           <a:p>
             <a:fld id="{28F7B3B5-B5F0-3E45-979A-1E64AEC2953B}" type="datetimeFigureOut">
               <a:rPr lang="es-ES" smtClean="0"/>
-              <a:t>8/2/23</a:t>
+              <a:t>30/9/23</a:t>
             </a:fld>
             <a:endParaRPr lang="es-ES"/>
           </a:p>
@@ -2818,7 +2904,7 @@
           <a:p>
             <a:fld id="{963E8758-4966-C74A-B57E-B8E6D02E8AF4}" type="slidenum">
               <a:rPr lang="es-ES" smtClean="0"/>
-              <a:t>‹Nº›</a:t>
+              <a:t>‹#›</a:t>
             </a:fld>
             <a:endParaRPr lang="es-ES"/>
           </a:p>
@@ -3075,7 +3161,7 @@
           <a:p>
             <a:fld id="{28F7B3B5-B5F0-3E45-979A-1E64AEC2953B}" type="datetimeFigureOut">
               <a:rPr lang="es-ES" smtClean="0"/>
-              <a:t>8/2/23</a:t>
+              <a:t>30/9/23</a:t>
             </a:fld>
             <a:endParaRPr lang="es-ES"/>
           </a:p>
@@ -3129,7 +3215,7 @@
           <a:p>
             <a:fld id="{963E8758-4966-C74A-B57E-B8E6D02E8AF4}" type="slidenum">
               <a:rPr lang="es-ES" smtClean="0"/>
-              <a:t>‹Nº›</a:t>
+              <a:t>‹#›</a:t>
             </a:fld>
             <a:endParaRPr lang="es-ES"/>
           </a:p>
@@ -3363,7 +3449,7 @@
           <a:p>
             <a:fld id="{28F7B3B5-B5F0-3E45-979A-1E64AEC2953B}" type="datetimeFigureOut">
               <a:rPr lang="es-ES" smtClean="0"/>
-              <a:t>8/2/23</a:t>
+              <a:t>30/9/23</a:t>
             </a:fld>
             <a:endParaRPr lang="es-ES"/>
           </a:p>
@@ -3417,7 +3503,7 @@
           <a:p>
             <a:fld id="{963E8758-4966-C74A-B57E-B8E6D02E8AF4}" type="slidenum">
               <a:rPr lang="es-ES" smtClean="0"/>
-              <a:t>‹Nº›</a:t>
+              <a:t>‹#›</a:t>
             </a:fld>
             <a:endParaRPr lang="es-ES"/>
           </a:p>
@@ -3604,7 +3690,7 @@
           <a:p>
             <a:fld id="{28F7B3B5-B5F0-3E45-979A-1E64AEC2953B}" type="datetimeFigureOut">
               <a:rPr lang="es-ES" smtClean="0"/>
-              <a:t>8/2/23</a:t>
+              <a:t>30/9/23</a:t>
             </a:fld>
             <a:endParaRPr lang="es-ES"/>
           </a:p>
@@ -3694,7 +3780,7 @@
           <a:p>
             <a:fld id="{963E8758-4966-C74A-B57E-B8E6D02E8AF4}" type="slidenum">
               <a:rPr lang="es-ES" smtClean="0"/>
-              <a:t>‹Nº›</a:t>
+              <a:t>‹#›</a:t>
             </a:fld>
             <a:endParaRPr lang="es-ES"/>
           </a:p>
@@ -5371,95 +5457,6 @@
       </p:sp>
       <p:sp>
         <p:nvSpPr>
-          <p:cNvPr id="2" name="1 Título"/>
-          <p:cNvSpPr>
-            <a:spLocks noGrp="1"/>
-          </p:cNvSpPr>
-          <p:nvPr>
-            <p:ph type="title"/>
-          </p:nvPr>
-        </p:nvSpPr>
-        <p:spPr>
-          <a:xfrm>
-            <a:off x="939723" y="860635"/>
-            <a:ext cx="4322230" cy="2434893"/>
-          </a:xfrm>
-        </p:spPr>
-        <p:txBody>
-          <a:bodyPr>
-            <a:normAutofit/>
-          </a:bodyPr>
-          <a:lstStyle/>
-          <a:p>
-            <a:pPr algn="l"/>
-            <a:r>
-              <a:rPr lang="es-ES" sz="3400" b="1" dirty="0">
-                <a:latin typeface="Lucida Bright" panose="02040602050505020304" pitchFamily="18" charset="0"/>
-              </a:rPr>
-              <a:t>Mean </a:t>
-            </a:r>
-            <a:r>
-              <a:rPr lang="es-ES" sz="3400" b="1" dirty="0" err="1">
-                <a:latin typeface="Lucida Bright" panose="02040602050505020304" pitchFamily="18" charset="0"/>
-              </a:rPr>
-              <a:t>is</a:t>
-            </a:r>
-            <a:r>
-              <a:rPr lang="es-ES" sz="3400" b="1" dirty="0">
-                <a:latin typeface="Lucida Bright" panose="02040602050505020304" pitchFamily="18" charset="0"/>
-              </a:rPr>
-              <a:t> sensitive </a:t>
-            </a:r>
-            <a:r>
-              <a:rPr lang="es-ES" sz="3400" b="1" dirty="0" err="1">
-                <a:latin typeface="Lucida Bright" panose="02040602050505020304" pitchFamily="18" charset="0"/>
-              </a:rPr>
-              <a:t>to</a:t>
-            </a:r>
-            <a:r>
-              <a:rPr lang="es-ES" sz="3400" b="1" dirty="0">
-                <a:latin typeface="Lucida Bright" panose="02040602050505020304" pitchFamily="18" charset="0"/>
-              </a:rPr>
-              <a:t> extreme </a:t>
-            </a:r>
-            <a:r>
-              <a:rPr lang="es-ES" sz="3400" b="1" dirty="0" err="1">
-                <a:latin typeface="Lucida Bright" panose="02040602050505020304" pitchFamily="18" charset="0"/>
-              </a:rPr>
-              <a:t>values</a:t>
-            </a:r>
-            <a:r>
-              <a:rPr lang="es-ES" sz="3400" b="1" dirty="0">
-                <a:latin typeface="Lucida Bright" panose="02040602050505020304" pitchFamily="18" charset="0"/>
-              </a:rPr>
-              <a:t>, median </a:t>
-            </a:r>
-            <a:r>
-              <a:rPr lang="es-ES" sz="3400" b="1" dirty="0" err="1">
-                <a:latin typeface="Lucida Bright" panose="02040602050505020304" pitchFamily="18" charset="0"/>
-              </a:rPr>
-              <a:t>is</a:t>
-            </a:r>
-            <a:r>
-              <a:rPr lang="es-ES" sz="3400" b="1" dirty="0">
-                <a:latin typeface="Lucida Bright" panose="02040602050505020304" pitchFamily="18" charset="0"/>
-              </a:rPr>
-              <a:t> </a:t>
-            </a:r>
-            <a:r>
-              <a:rPr lang="es-ES" sz="3400" b="1" dirty="0" err="1">
-                <a:latin typeface="Lucida Bright" panose="02040602050505020304" pitchFamily="18" charset="0"/>
-              </a:rPr>
-              <a:t>not</a:t>
-            </a:r>
-            <a:endParaRPr lang="es-ES" sz="3400" b="1" dirty="0">
-              <a:latin typeface="Lucida Bright" panose="02040602050505020304" pitchFamily="18" charset="0"/>
-            </a:endParaRPr>
-          </a:p>
-        </p:txBody>
-      </p:sp>
-      <p:sp>
-        <p:nvSpPr>
           <p:cNvPr id="7" name="6 Marcador de número de diapositiva"/>
           <p:cNvSpPr>
             <a:spLocks noGrp="1"/>
@@ -5497,7 +5494,13 @@
       </p:sp>
       <p:pic>
         <p:nvPicPr>
-          <p:cNvPr id="9" name="Picture 4" descr="Imatge relacionada"/>
+          <p:cNvPr id="35" name="Picture 4" descr="Imatge relacionada">
+            <a:extLst>
+              <a:ext uri="{FF2B5EF4-FFF2-40B4-BE49-F238E27FC236}">
+                <a16:creationId xmlns:a16="http://schemas.microsoft.com/office/drawing/2014/main" id="{786F2AE8-1A42-998E-6954-AF473D668DEA}"/>
+              </a:ext>
+            </a:extLst>
+          </p:cNvPr>
           <p:cNvPicPr>
             <a:picLocks noChangeAspect="1" noChangeArrowheads="1"/>
           </p:cNvPicPr>
@@ -5512,7 +5515,7 @@
         </p:blipFill>
         <p:spPr bwMode="auto">
           <a:xfrm>
-            <a:off x="705632" y="3364994"/>
+            <a:off x="2007093" y="4017175"/>
             <a:ext cx="1440160" cy="1440160"/>
           </a:xfrm>
           <a:prstGeom prst="rect">
@@ -5523,7 +5526,13 @@
       </p:pic>
       <p:pic>
         <p:nvPicPr>
-          <p:cNvPr id="10" name="Picture 4" descr="Imatge relacionada"/>
+          <p:cNvPr id="36" name="Picture 4" descr="Imatge relacionada">
+            <a:extLst>
+              <a:ext uri="{FF2B5EF4-FFF2-40B4-BE49-F238E27FC236}">
+                <a16:creationId xmlns:a16="http://schemas.microsoft.com/office/drawing/2014/main" id="{73C0E66D-FF11-6BBF-F7D4-0E1EF5D58E35}"/>
+              </a:ext>
+            </a:extLst>
+          </p:cNvPr>
           <p:cNvPicPr>
             <a:picLocks noChangeAspect="1" noChangeArrowheads="1"/>
           </p:cNvPicPr>
@@ -5538,7 +5547,7 @@
         </p:blipFill>
         <p:spPr bwMode="auto">
           <a:xfrm>
-            <a:off x="1353704" y="3148970"/>
+            <a:off x="3265881" y="3801151"/>
             <a:ext cx="1440160" cy="1656184"/>
           </a:xfrm>
           <a:prstGeom prst="rect">
@@ -5549,7 +5558,13 @@
       </p:pic>
       <p:pic>
         <p:nvPicPr>
-          <p:cNvPr id="11" name="Picture 4" descr="Imatge relacionada"/>
+          <p:cNvPr id="37" name="Picture 4" descr="Imatge relacionada">
+            <a:extLst>
+              <a:ext uri="{FF2B5EF4-FFF2-40B4-BE49-F238E27FC236}">
+                <a16:creationId xmlns:a16="http://schemas.microsoft.com/office/drawing/2014/main" id="{373599D8-0C6D-F64A-891D-BEC4CBD9043E}"/>
+              </a:ext>
+            </a:extLst>
+          </p:cNvPr>
           <p:cNvPicPr>
             <a:picLocks noChangeAspect="1" noChangeArrowheads="1"/>
           </p:cNvPicPr>
@@ -5564,7 +5579,7 @@
         </p:blipFill>
         <p:spPr bwMode="auto">
           <a:xfrm>
-            <a:off x="2001776" y="3542414"/>
+            <a:off x="1393673" y="4194595"/>
             <a:ext cx="1440160" cy="1262740"/>
           </a:xfrm>
           <a:prstGeom prst="rect">
@@ -5575,7 +5590,13 @@
       </p:pic>
       <p:pic>
         <p:nvPicPr>
-          <p:cNvPr id="12" name="Picture 4" descr="Imatge relacionada"/>
+          <p:cNvPr id="38" name="Picture 4" descr="Imatge relacionada">
+            <a:extLst>
+              <a:ext uri="{FF2B5EF4-FFF2-40B4-BE49-F238E27FC236}">
+                <a16:creationId xmlns:a16="http://schemas.microsoft.com/office/drawing/2014/main" id="{117C581C-60EE-F0AF-931A-6F98EF2D1144}"/>
+              </a:ext>
+            </a:extLst>
+          </p:cNvPr>
           <p:cNvPicPr>
             <a:picLocks noChangeAspect="1" noChangeArrowheads="1"/>
           </p:cNvPicPr>
@@ -5590,8 +5611,8 @@
         </p:blipFill>
         <p:spPr bwMode="auto">
           <a:xfrm>
-            <a:off x="2649848" y="3010038"/>
-            <a:ext cx="1440160" cy="1795116"/>
+            <a:off x="3847685" y="2593299"/>
+            <a:ext cx="1440160" cy="2938986"/>
           </a:xfrm>
           <a:prstGeom prst="rect">
             <a:avLst/>
@@ -5601,7 +5622,13 @@
       </p:pic>
       <p:pic>
         <p:nvPicPr>
-          <p:cNvPr id="13" name="Picture 4" descr="Imatge relacionada"/>
+          <p:cNvPr id="39" name="Picture 4" descr="Imatge relacionada">
+            <a:extLst>
+              <a:ext uri="{FF2B5EF4-FFF2-40B4-BE49-F238E27FC236}">
+                <a16:creationId xmlns:a16="http://schemas.microsoft.com/office/drawing/2014/main" id="{1904CF5E-84DC-9FE8-0148-F47FDBC6D138}"/>
+              </a:ext>
+            </a:extLst>
+          </p:cNvPr>
           <p:cNvPicPr>
             <a:picLocks noChangeAspect="1" noChangeArrowheads="1"/>
           </p:cNvPicPr>
@@ -5616,7 +5643,7 @@
         </p:blipFill>
         <p:spPr bwMode="auto">
           <a:xfrm>
-            <a:off x="3297920" y="3245234"/>
+            <a:off x="2644097" y="3897415"/>
             <a:ext cx="1440160" cy="1559920"/>
           </a:xfrm>
           <a:prstGeom prst="rect">
@@ -5625,166 +5652,6 @@
           <a:noFill/>
         </p:spPr>
       </p:pic>
-      <p:pic>
-        <p:nvPicPr>
-          <p:cNvPr id="35" name="Picture 4" descr="Imatge relacionada">
-            <a:extLst>
-              <a:ext uri="{FF2B5EF4-FFF2-40B4-BE49-F238E27FC236}">
-                <a16:creationId xmlns:a16="http://schemas.microsoft.com/office/drawing/2014/main" id="{786F2AE8-1A42-998E-6954-AF473D668DEA}"/>
-              </a:ext>
-            </a:extLst>
-          </p:cNvPr>
-          <p:cNvPicPr>
-            <a:picLocks noChangeAspect="1" noChangeArrowheads="1"/>
-          </p:cNvPicPr>
-          <p:nvPr/>
-        </p:nvPicPr>
-        <p:blipFill>
-          <a:blip r:embed="rId3" cstate="print"/>
-          <a:srcRect/>
-          <a:stretch>
-            <a:fillRect/>
-          </a:stretch>
-        </p:blipFill>
-        <p:spPr bwMode="auto">
-          <a:xfrm>
-            <a:off x="6930048" y="1292188"/>
-            <a:ext cx="1440160" cy="1440160"/>
-          </a:xfrm>
-          <a:prstGeom prst="rect">
-            <a:avLst/>
-          </a:prstGeom>
-          <a:noFill/>
-        </p:spPr>
-      </p:pic>
-      <p:pic>
-        <p:nvPicPr>
-          <p:cNvPr id="36" name="Picture 4" descr="Imatge relacionada">
-            <a:extLst>
-              <a:ext uri="{FF2B5EF4-FFF2-40B4-BE49-F238E27FC236}">
-                <a16:creationId xmlns:a16="http://schemas.microsoft.com/office/drawing/2014/main" id="{73C0E66D-FF11-6BBF-F7D4-0E1EF5D58E35}"/>
-              </a:ext>
-            </a:extLst>
-          </p:cNvPr>
-          <p:cNvPicPr>
-            <a:picLocks noChangeAspect="1" noChangeArrowheads="1"/>
-          </p:cNvPicPr>
-          <p:nvPr/>
-        </p:nvPicPr>
-        <p:blipFill>
-          <a:blip r:embed="rId3" cstate="print"/>
-          <a:srcRect/>
-          <a:stretch>
-            <a:fillRect/>
-          </a:stretch>
-        </p:blipFill>
-        <p:spPr bwMode="auto">
-          <a:xfrm>
-            <a:off x="8188836" y="1076164"/>
-            <a:ext cx="1440160" cy="1656184"/>
-          </a:xfrm>
-          <a:prstGeom prst="rect">
-            <a:avLst/>
-          </a:prstGeom>
-          <a:noFill/>
-        </p:spPr>
-      </p:pic>
-      <p:pic>
-        <p:nvPicPr>
-          <p:cNvPr id="37" name="Picture 4" descr="Imatge relacionada">
-            <a:extLst>
-              <a:ext uri="{FF2B5EF4-FFF2-40B4-BE49-F238E27FC236}">
-                <a16:creationId xmlns:a16="http://schemas.microsoft.com/office/drawing/2014/main" id="{373599D8-0C6D-F64A-891D-BEC4CBD9043E}"/>
-              </a:ext>
-            </a:extLst>
-          </p:cNvPr>
-          <p:cNvPicPr>
-            <a:picLocks noChangeAspect="1" noChangeArrowheads="1"/>
-          </p:cNvPicPr>
-          <p:nvPr/>
-        </p:nvPicPr>
-        <p:blipFill>
-          <a:blip r:embed="rId3" cstate="print"/>
-          <a:srcRect/>
-          <a:stretch>
-            <a:fillRect/>
-          </a:stretch>
-        </p:blipFill>
-        <p:spPr bwMode="auto">
-          <a:xfrm>
-            <a:off x="6316628" y="1469608"/>
-            <a:ext cx="1440160" cy="1262740"/>
-          </a:xfrm>
-          <a:prstGeom prst="rect">
-            <a:avLst/>
-          </a:prstGeom>
-          <a:noFill/>
-        </p:spPr>
-      </p:pic>
-      <p:pic>
-        <p:nvPicPr>
-          <p:cNvPr id="38" name="Picture 4" descr="Imatge relacionada">
-            <a:extLst>
-              <a:ext uri="{FF2B5EF4-FFF2-40B4-BE49-F238E27FC236}">
-                <a16:creationId xmlns:a16="http://schemas.microsoft.com/office/drawing/2014/main" id="{117C581C-60EE-F0AF-931A-6F98EF2D1144}"/>
-              </a:ext>
-            </a:extLst>
-          </p:cNvPr>
-          <p:cNvPicPr>
-            <a:picLocks noChangeAspect="1" noChangeArrowheads="1"/>
-          </p:cNvPicPr>
-          <p:nvPr/>
-        </p:nvPicPr>
-        <p:blipFill>
-          <a:blip r:embed="rId3" cstate="print"/>
-          <a:srcRect/>
-          <a:stretch>
-            <a:fillRect/>
-          </a:stretch>
-        </p:blipFill>
-        <p:spPr bwMode="auto">
-          <a:xfrm>
-            <a:off x="8770640" y="-239843"/>
-            <a:ext cx="1440160" cy="3047141"/>
-          </a:xfrm>
-          <a:prstGeom prst="rect">
-            <a:avLst/>
-          </a:prstGeom>
-          <a:noFill/>
-        </p:spPr>
-      </p:pic>
-      <p:pic>
-        <p:nvPicPr>
-          <p:cNvPr id="39" name="Picture 4" descr="Imatge relacionada">
-            <a:extLst>
-              <a:ext uri="{FF2B5EF4-FFF2-40B4-BE49-F238E27FC236}">
-                <a16:creationId xmlns:a16="http://schemas.microsoft.com/office/drawing/2014/main" id="{1904CF5E-84DC-9FE8-0148-F47FDBC6D138}"/>
-              </a:ext>
-            </a:extLst>
-          </p:cNvPr>
-          <p:cNvPicPr>
-            <a:picLocks noChangeAspect="1" noChangeArrowheads="1"/>
-          </p:cNvPicPr>
-          <p:nvPr/>
-        </p:nvPicPr>
-        <p:blipFill>
-          <a:blip r:embed="rId3" cstate="print"/>
-          <a:srcRect/>
-          <a:stretch>
-            <a:fillRect/>
-          </a:stretch>
-        </p:blipFill>
-        <p:spPr bwMode="auto">
-          <a:xfrm>
-            <a:off x="7567052" y="1172428"/>
-            <a:ext cx="1440160" cy="1559920"/>
-          </a:xfrm>
-          <a:prstGeom prst="rect">
-            <a:avLst/>
-          </a:prstGeom>
-          <a:noFill/>
-        </p:spPr>
-      </p:pic>
       <p:sp>
         <p:nvSpPr>
           <p:cNvPr id="40" name="Rectángulo 39">
@@ -5799,7 +5666,7 @@
         </p:nvSpPr>
         <p:spPr>
           <a:xfrm>
-            <a:off x="7945690" y="1144744"/>
+            <a:off x="3022735" y="3869731"/>
             <a:ext cx="720090" cy="1656184"/>
           </a:xfrm>
           <a:prstGeom prst="rect">
@@ -6138,7 +6005,7 @@
         </p:nvSpPr>
         <p:spPr>
           <a:xfrm>
-            <a:off x="7773655" y="736813"/>
+            <a:off x="2830822" y="3461800"/>
             <a:ext cx="1440160" cy="369332"/>
           </a:xfrm>
           <a:prstGeom prst="rect">
@@ -6156,7 +6023,7 @@
               <a:rPr lang="es-ES" sz="1800" b="1" dirty="0">
                 <a:latin typeface="Lucida Bright" panose="02040602050505020304" pitchFamily="18" charset="0"/>
               </a:rPr>
-              <a:t>Median</a:t>
+              <a:t>Mediana</a:t>
             </a:r>
             <a:endParaRPr lang="es-ES" dirty="0"/>
           </a:p>
@@ -6260,7 +6127,7 @@
         </p:nvSpPr>
         <p:spPr>
           <a:xfrm>
-            <a:off x="5626708" y="3560725"/>
+            <a:off x="6351155" y="3362683"/>
             <a:ext cx="1440160" cy="369332"/>
           </a:xfrm>
           <a:prstGeom prst="rect">
@@ -6278,7 +6145,7 @@
               <a:rPr lang="es-ES" sz="1800" b="1" dirty="0">
                 <a:latin typeface="Lucida Bright" panose="02040602050505020304" pitchFamily="18" charset="0"/>
               </a:rPr>
-              <a:t>Mean</a:t>
+              <a:t>Mitjana</a:t>
             </a:r>
             <a:endParaRPr lang="es-ES" dirty="0"/>
           </a:p>
@@ -6414,7 +6281,7 @@
         </p:blipFill>
         <p:spPr bwMode="auto">
           <a:xfrm>
-            <a:off x="705632" y="3364994"/>
+            <a:off x="1096223" y="763482"/>
             <a:ext cx="1440160" cy="1440160"/>
           </a:xfrm>
           <a:prstGeom prst="rect">
@@ -6440,7 +6307,7 @@
         </p:blipFill>
         <p:spPr bwMode="auto">
           <a:xfrm>
-            <a:off x="1353704" y="3148970"/>
+            <a:off x="1744295" y="547458"/>
             <a:ext cx="1440160" cy="1656184"/>
           </a:xfrm>
           <a:prstGeom prst="rect">
@@ -6466,7 +6333,7 @@
         </p:blipFill>
         <p:spPr bwMode="auto">
           <a:xfrm>
-            <a:off x="2001776" y="3542414"/>
+            <a:off x="2392367" y="940902"/>
             <a:ext cx="1440160" cy="1262740"/>
           </a:xfrm>
           <a:prstGeom prst="rect">
@@ -6492,7 +6359,7 @@
         </p:blipFill>
         <p:spPr bwMode="auto">
           <a:xfrm>
-            <a:off x="2649848" y="3010038"/>
+            <a:off x="3040439" y="408526"/>
             <a:ext cx="1440160" cy="1795116"/>
           </a:xfrm>
           <a:prstGeom prst="rect">
@@ -6518,7 +6385,7 @@
         </p:blipFill>
         <p:spPr bwMode="auto">
           <a:xfrm>
-            <a:off x="3297920" y="3245234"/>
+            <a:off x="3688511" y="643722"/>
             <a:ext cx="1440160" cy="1559920"/>
           </a:xfrm>
           <a:prstGeom prst="rect">
@@ -7353,6 +7220,114 @@
       </p:grpSpPr>
       <p:sp>
         <p:nvSpPr>
+          <p:cNvPr id="10" name="Rectangle 9">
+            <a:extLst>
+              <a:ext uri="{FF2B5EF4-FFF2-40B4-BE49-F238E27FC236}">
+                <a16:creationId xmlns:a16="http://schemas.microsoft.com/office/drawing/2014/main" id="{53795308-2D52-8BF0-23FD-34591ED6352D}"/>
+              </a:ext>
+            </a:extLst>
+          </p:cNvPr>
+          <p:cNvSpPr/>
+          <p:nvPr/>
+        </p:nvSpPr>
+        <p:spPr>
+          <a:xfrm>
+            <a:off x="4950630" y="2549852"/>
+            <a:ext cx="4172282" cy="2051876"/>
+          </a:xfrm>
+          <a:prstGeom prst="rect">
+            <a:avLst/>
+          </a:prstGeom>
+          <a:solidFill>
+            <a:schemeClr val="bg1"/>
+          </a:solidFill>
+          <a:ln>
+            <a:solidFill>
+              <a:schemeClr val="bg1"/>
+            </a:solidFill>
+          </a:ln>
+        </p:spPr>
+        <p:style>
+          <a:lnRef idx="2">
+            <a:schemeClr val="accent1">
+              <a:shade val="15000"/>
+            </a:schemeClr>
+          </a:lnRef>
+          <a:fillRef idx="1">
+            <a:schemeClr val="accent1"/>
+          </a:fillRef>
+          <a:effectRef idx="0">
+            <a:schemeClr val="accent1"/>
+          </a:effectRef>
+          <a:fontRef idx="minor">
+            <a:schemeClr val="lt1"/>
+          </a:fontRef>
+        </p:style>
+        <p:txBody>
+          <a:bodyPr rtlCol="0" anchor="ctr"/>
+          <a:lstStyle/>
+          <a:p>
+            <a:pPr algn="ctr"/>
+            <a:endParaRPr lang="en-ES"/>
+          </a:p>
+        </p:txBody>
+      </p:sp>
+      <p:sp>
+        <p:nvSpPr>
+          <p:cNvPr id="9" name="Rectangle 8">
+            <a:extLst>
+              <a:ext uri="{FF2B5EF4-FFF2-40B4-BE49-F238E27FC236}">
+                <a16:creationId xmlns:a16="http://schemas.microsoft.com/office/drawing/2014/main" id="{C9ED3B1E-78E0-C0E5-7AC3-516C43498E0D}"/>
+              </a:ext>
+            </a:extLst>
+          </p:cNvPr>
+          <p:cNvSpPr/>
+          <p:nvPr/>
+        </p:nvSpPr>
+        <p:spPr>
+          <a:xfrm>
+            <a:off x="654919" y="2549852"/>
+            <a:ext cx="4172282" cy="2051876"/>
+          </a:xfrm>
+          <a:prstGeom prst="rect">
+            <a:avLst/>
+          </a:prstGeom>
+          <a:solidFill>
+            <a:schemeClr val="bg1"/>
+          </a:solidFill>
+          <a:ln>
+            <a:solidFill>
+              <a:schemeClr val="bg1"/>
+            </a:solidFill>
+          </a:ln>
+        </p:spPr>
+        <p:style>
+          <a:lnRef idx="2">
+            <a:schemeClr val="accent1">
+              <a:shade val="15000"/>
+            </a:schemeClr>
+          </a:lnRef>
+          <a:fillRef idx="1">
+            <a:schemeClr val="accent1"/>
+          </a:fillRef>
+          <a:effectRef idx="0">
+            <a:schemeClr val="accent1"/>
+          </a:effectRef>
+          <a:fontRef idx="minor">
+            <a:schemeClr val="lt1"/>
+          </a:fontRef>
+        </p:style>
+        <p:txBody>
+          <a:bodyPr rtlCol="0" anchor="ctr"/>
+          <a:lstStyle/>
+          <a:p>
+            <a:pPr algn="ctr"/>
+            <a:endParaRPr lang="en-ES"/>
+          </a:p>
+        </p:txBody>
+      </p:sp>
+      <p:sp>
+        <p:nvSpPr>
           <p:cNvPr id="5" name="4 Rectángulo"/>
           <p:cNvSpPr/>
           <p:nvPr/>
@@ -7457,7 +7432,7 @@
         </p:blipFill>
         <p:spPr bwMode="auto">
           <a:xfrm>
-            <a:off x="837491" y="1988840"/>
+            <a:off x="668075" y="3111873"/>
             <a:ext cx="1440160" cy="1440160"/>
           </a:xfrm>
           <a:prstGeom prst="rect">
@@ -7489,7 +7464,7 @@
         </p:blipFill>
         <p:spPr bwMode="auto">
           <a:xfrm>
-            <a:off x="1485563" y="1772816"/>
+            <a:off x="1316147" y="2895849"/>
             <a:ext cx="1440160" cy="1656184"/>
           </a:xfrm>
           <a:prstGeom prst="rect">
@@ -7521,7 +7496,7 @@
         </p:blipFill>
         <p:spPr bwMode="auto">
           <a:xfrm>
-            <a:off x="2133635" y="2166260"/>
+            <a:off x="1964219" y="3289293"/>
             <a:ext cx="1440160" cy="1262740"/>
           </a:xfrm>
           <a:prstGeom prst="rect">
@@ -7553,7 +7528,7 @@
         </p:blipFill>
         <p:spPr bwMode="auto">
           <a:xfrm>
-            <a:off x="2781707" y="1633884"/>
+            <a:off x="2612291" y="2756917"/>
             <a:ext cx="1440160" cy="1795116"/>
           </a:xfrm>
           <a:prstGeom prst="rect">
@@ -7585,7 +7560,7 @@
         </p:blipFill>
         <p:spPr bwMode="auto">
           <a:xfrm>
-            <a:off x="3429779" y="1869080"/>
+            <a:off x="3260363" y="2992113"/>
             <a:ext cx="1440160" cy="1559920"/>
           </a:xfrm>
           <a:prstGeom prst="rect">
@@ -7608,7 +7583,7 @@
         </p:nvCxnSpPr>
         <p:spPr>
           <a:xfrm>
-            <a:off x="1052529" y="2145240"/>
+            <a:off x="883113" y="3268273"/>
             <a:ext cx="3715407" cy="0"/>
           </a:xfrm>
           <a:prstGeom prst="line">
@@ -7647,7 +7622,7 @@
         </p:nvCxnSpPr>
         <p:spPr>
           <a:xfrm>
-            <a:off x="2861952" y="2153909"/>
+            <a:off x="2692536" y="3276942"/>
             <a:ext cx="0" cy="183063"/>
           </a:xfrm>
           <a:prstGeom prst="straightConnector1">
@@ -7692,7 +7667,7 @@
         </p:nvCxnSpPr>
         <p:spPr>
           <a:xfrm>
-            <a:off x="3500120" y="1869080"/>
+            <a:off x="3330704" y="2992113"/>
             <a:ext cx="0" cy="271170"/>
           </a:xfrm>
           <a:prstGeom prst="straightConnector1">
@@ -7737,7 +7712,7 @@
         </p:nvCxnSpPr>
         <p:spPr>
           <a:xfrm>
-            <a:off x="2200527" y="1957187"/>
+            <a:off x="2031111" y="3080220"/>
             <a:ext cx="0" cy="183063"/>
           </a:xfrm>
           <a:prstGeom prst="straightConnector1">
@@ -7782,7 +7757,7 @@
         </p:nvCxnSpPr>
         <p:spPr>
           <a:xfrm>
-            <a:off x="1557571" y="2140250"/>
+            <a:off x="1388155" y="3263283"/>
             <a:ext cx="0" cy="26010"/>
           </a:xfrm>
           <a:prstGeom prst="straightConnector1">
@@ -7827,7 +7802,7 @@
         </p:nvCxnSpPr>
         <p:spPr>
           <a:xfrm flipH="1">
-            <a:off x="4149421" y="2048718"/>
+            <a:off x="3980005" y="3171751"/>
             <a:ext cx="438" cy="91532"/>
           </a:xfrm>
           <a:prstGeom prst="straightConnector1">
@@ -7870,8 +7845,8 @@
         </p:nvSpPr>
         <p:spPr>
           <a:xfrm>
-            <a:off x="4510732" y="1757920"/>
-            <a:ext cx="863260" cy="369332"/>
+            <a:off x="3747446" y="2751900"/>
+            <a:ext cx="1368521" cy="369332"/>
           </a:xfrm>
           <a:prstGeom prst="rect">
             <a:avLst/>
@@ -7888,7 +7863,7 @@
               <a:rPr lang="es-ES" sz="1800" b="1" dirty="0">
                 <a:latin typeface="Lucida Bright" panose="02040602050505020304" pitchFamily="18" charset="0"/>
               </a:rPr>
-              <a:t>Mean</a:t>
+              <a:t>Mitjana</a:t>
             </a:r>
             <a:endParaRPr lang="es-ES" dirty="0"/>
           </a:p>
@@ -7910,7 +7885,7 @@
         </p:nvCxnSpPr>
         <p:spPr>
           <a:xfrm>
-            <a:off x="7026628" y="2153909"/>
+            <a:off x="10754117" y="2533694"/>
             <a:ext cx="0" cy="183063"/>
           </a:xfrm>
           <a:prstGeom prst="straightConnector1">
@@ -7955,7 +7930,7 @@
         </p:nvCxnSpPr>
         <p:spPr>
           <a:xfrm>
-            <a:off x="7664796" y="1869080"/>
+            <a:off x="11153749" y="2248865"/>
             <a:ext cx="0" cy="271170"/>
           </a:xfrm>
           <a:prstGeom prst="straightConnector1">
@@ -8000,7 +7975,7 @@
         </p:nvCxnSpPr>
         <p:spPr>
           <a:xfrm>
-            <a:off x="6365203" y="1957187"/>
+            <a:off x="10380923" y="2336972"/>
             <a:ext cx="0" cy="183063"/>
           </a:xfrm>
           <a:prstGeom prst="straightConnector1">
@@ -8045,7 +8020,7 @@
         </p:nvCxnSpPr>
         <p:spPr>
           <a:xfrm>
-            <a:off x="5722247" y="2140250"/>
+            <a:off x="9986442" y="2520035"/>
             <a:ext cx="0" cy="26010"/>
           </a:xfrm>
           <a:prstGeom prst="straightConnector1">
@@ -8090,7 +8065,7 @@
         </p:nvCxnSpPr>
         <p:spPr>
           <a:xfrm flipH="1">
-            <a:off x="8314097" y="2048718"/>
+            <a:off x="11594331" y="2428503"/>
             <a:ext cx="438" cy="91532"/>
           </a:xfrm>
           <a:prstGeom prst="straightConnector1">
@@ -8142,7 +8117,7 @@
         </p:blipFill>
         <p:spPr bwMode="auto">
           <a:xfrm>
-            <a:off x="837491" y="4249902"/>
+            <a:off x="4989541" y="3111873"/>
             <a:ext cx="1440160" cy="1440160"/>
           </a:xfrm>
           <a:prstGeom prst="rect">
@@ -8174,8 +8149,8 @@
         </p:blipFill>
         <p:spPr bwMode="auto">
           <a:xfrm>
-            <a:off x="1485563" y="4033878"/>
-            <a:ext cx="1440160" cy="1656184"/>
+            <a:off x="5637613" y="2747020"/>
+            <a:ext cx="1440160" cy="1824891"/>
           </a:xfrm>
           <a:prstGeom prst="rect">
             <a:avLst/>
@@ -8206,8 +8181,8 @@
         </p:blipFill>
         <p:spPr bwMode="auto">
           <a:xfrm>
-            <a:off x="2133635" y="4557712"/>
-            <a:ext cx="1440160" cy="1132350"/>
+            <a:off x="6285685" y="3518357"/>
+            <a:ext cx="1440160" cy="1033676"/>
           </a:xfrm>
           <a:prstGeom prst="rect">
             <a:avLst/>
@@ -8238,8 +8213,8 @@
         </p:blipFill>
         <p:spPr bwMode="auto">
           <a:xfrm>
-            <a:off x="2781707" y="3773036"/>
-            <a:ext cx="1440160" cy="1917026"/>
+            <a:off x="6933757" y="2546045"/>
+            <a:ext cx="1440160" cy="2025866"/>
           </a:xfrm>
           <a:prstGeom prst="rect">
             <a:avLst/>
@@ -8270,7 +8245,7 @@
         </p:blipFill>
         <p:spPr bwMode="auto">
           <a:xfrm>
-            <a:off x="3429779" y="4130142"/>
+            <a:off x="7581829" y="2992113"/>
             <a:ext cx="1440160" cy="1559920"/>
           </a:xfrm>
           <a:prstGeom prst="rect">
@@ -8293,7 +8268,7 @@
         </p:nvCxnSpPr>
         <p:spPr>
           <a:xfrm>
-            <a:off x="1052529" y="4406302"/>
+            <a:off x="5204579" y="3268273"/>
             <a:ext cx="3715407" cy="0"/>
           </a:xfrm>
           <a:prstGeom prst="line">
@@ -8332,8 +8307,8 @@
         </p:nvCxnSpPr>
         <p:spPr>
           <a:xfrm>
-            <a:off x="2861952" y="4414971"/>
-            <a:ext cx="0" cy="273407"/>
+            <a:off x="7014002" y="3276942"/>
+            <a:ext cx="0" cy="405507"/>
           </a:xfrm>
           <a:prstGeom prst="straightConnector1">
             <a:avLst/>
@@ -8377,7 +8352,7 @@
         </p:nvCxnSpPr>
         <p:spPr>
           <a:xfrm>
-            <a:off x="3500120" y="4018982"/>
+            <a:off x="7652170" y="2880953"/>
             <a:ext cx="0" cy="382330"/>
           </a:xfrm>
           <a:prstGeom prst="straightConnector1">
@@ -8422,8 +8397,8 @@
         </p:nvCxnSpPr>
         <p:spPr>
           <a:xfrm>
-            <a:off x="2200527" y="4218249"/>
-            <a:ext cx="0" cy="183063"/>
+            <a:off x="6352577" y="2992113"/>
+            <a:ext cx="0" cy="271170"/>
           </a:xfrm>
           <a:prstGeom prst="straightConnector1">
             <a:avLst/>
@@ -8467,7 +8442,7 @@
         </p:nvCxnSpPr>
         <p:spPr>
           <a:xfrm>
-            <a:off x="1557571" y="4401312"/>
+            <a:off x="5709621" y="3263283"/>
             <a:ext cx="0" cy="26010"/>
           </a:xfrm>
           <a:prstGeom prst="straightConnector1">
@@ -8512,7 +8487,7 @@
         </p:nvCxnSpPr>
         <p:spPr>
           <a:xfrm flipH="1">
-            <a:off x="4149421" y="4309780"/>
+            <a:off x="8301471" y="3171751"/>
             <a:ext cx="438" cy="91532"/>
           </a:xfrm>
           <a:prstGeom prst="straightConnector1">
@@ -8524,269 +8499,6 @@
             </a:solidFill>
             <a:headEnd type="triangle"/>
             <a:tailEnd type="triangle"/>
-          </a:ln>
-        </p:spPr>
-        <p:style>
-          <a:lnRef idx="1">
-            <a:schemeClr val="accent1"/>
-          </a:lnRef>
-          <a:fillRef idx="0">
-            <a:schemeClr val="accent1"/>
-          </a:fillRef>
-          <a:effectRef idx="0">
-            <a:schemeClr val="accent1"/>
-          </a:effectRef>
-          <a:fontRef idx="minor">
-            <a:schemeClr val="tx1"/>
-          </a:fontRef>
-        </p:style>
-      </p:cxnSp>
-      <p:sp>
-        <p:nvSpPr>
-          <p:cNvPr id="26" name="CuadroTexto 25">
-            <a:extLst>
-              <a:ext uri="{FF2B5EF4-FFF2-40B4-BE49-F238E27FC236}">
-                <a16:creationId xmlns:a16="http://schemas.microsoft.com/office/drawing/2014/main" id="{81F1B40B-C67C-E0CB-1EE1-81E555579265}"/>
-              </a:ext>
-            </a:extLst>
-          </p:cNvPr>
-          <p:cNvSpPr txBox="1"/>
-          <p:nvPr/>
-        </p:nvSpPr>
-        <p:spPr>
-          <a:xfrm>
-            <a:off x="4510732" y="4018982"/>
-            <a:ext cx="863260" cy="369332"/>
-          </a:xfrm>
-          <a:prstGeom prst="rect">
-            <a:avLst/>
-          </a:prstGeom>
-          <a:noFill/>
-        </p:spPr>
-        <p:txBody>
-          <a:bodyPr wrap="square">
-            <a:spAutoFit/>
-          </a:bodyPr>
-          <a:lstStyle/>
-          <a:p>
-            <a:r>
-              <a:rPr lang="es-ES" sz="1800" b="1" dirty="0">
-                <a:latin typeface="Lucida Bright" panose="02040602050505020304" pitchFamily="18" charset="0"/>
-              </a:rPr>
-              <a:t>Mean</a:t>
-            </a:r>
-            <a:endParaRPr lang="es-ES" dirty="0"/>
-          </a:p>
-        </p:txBody>
-      </p:sp>
-      <p:cxnSp>
-        <p:nvCxnSpPr>
-          <p:cNvPr id="29" name="Conector recto de flecha 28">
-            <a:extLst>
-              <a:ext uri="{FF2B5EF4-FFF2-40B4-BE49-F238E27FC236}">
-                <a16:creationId xmlns:a16="http://schemas.microsoft.com/office/drawing/2014/main" id="{54CD0BD5-067E-07AC-1A4D-177CCC502C3D}"/>
-              </a:ext>
-            </a:extLst>
-          </p:cNvPr>
-          <p:cNvCxnSpPr>
-            <a:cxnSpLocks/>
-          </p:cNvCxnSpPr>
-          <p:nvPr/>
-        </p:nvCxnSpPr>
-        <p:spPr>
-          <a:xfrm>
-            <a:off x="6365203" y="4218249"/>
-            <a:ext cx="0" cy="183063"/>
-          </a:xfrm>
-          <a:prstGeom prst="straightConnector1">
-            <a:avLst/>
-          </a:prstGeom>
-          <a:ln w="19050">
-            <a:solidFill>
-              <a:srgbClr val="C00000"/>
-            </a:solidFill>
-            <a:headEnd type="none" w="med" len="med"/>
-            <a:tailEnd type="triangle" w="med" len="med"/>
-          </a:ln>
-        </p:spPr>
-        <p:style>
-          <a:lnRef idx="1">
-            <a:schemeClr val="accent1"/>
-          </a:lnRef>
-          <a:fillRef idx="0">
-            <a:schemeClr val="accent1"/>
-          </a:fillRef>
-          <a:effectRef idx="0">
-            <a:schemeClr val="accent1"/>
-          </a:effectRef>
-          <a:fontRef idx="minor">
-            <a:schemeClr val="tx1"/>
-          </a:fontRef>
-        </p:style>
-      </p:cxnSp>
-      <p:cxnSp>
-        <p:nvCxnSpPr>
-          <p:cNvPr id="30" name="Conector recto de flecha 29">
-            <a:extLst>
-              <a:ext uri="{FF2B5EF4-FFF2-40B4-BE49-F238E27FC236}">
-                <a16:creationId xmlns:a16="http://schemas.microsoft.com/office/drawing/2014/main" id="{6C73FD2E-CCBF-A9CF-81F6-A78C08F5CF2A}"/>
-              </a:ext>
-            </a:extLst>
-          </p:cNvPr>
-          <p:cNvCxnSpPr>
-            <a:cxnSpLocks/>
-          </p:cNvCxnSpPr>
-          <p:nvPr/>
-        </p:nvCxnSpPr>
-        <p:spPr>
-          <a:xfrm>
-            <a:off x="5722247" y="4401312"/>
-            <a:ext cx="0" cy="26010"/>
-          </a:xfrm>
-          <a:prstGeom prst="straightConnector1">
-            <a:avLst/>
-          </a:prstGeom>
-          <a:ln w="19050">
-            <a:solidFill>
-              <a:srgbClr val="C00000"/>
-            </a:solidFill>
-            <a:headEnd type="triangle" w="med" len="med"/>
-            <a:tailEnd type="none" w="med" len="med"/>
-          </a:ln>
-        </p:spPr>
-        <p:style>
-          <a:lnRef idx="1">
-            <a:schemeClr val="accent1"/>
-          </a:lnRef>
-          <a:fillRef idx="0">
-            <a:schemeClr val="accent1"/>
-          </a:fillRef>
-          <a:effectRef idx="0">
-            <a:schemeClr val="accent1"/>
-          </a:effectRef>
-          <a:fontRef idx="minor">
-            <a:schemeClr val="tx1"/>
-          </a:fontRef>
-        </p:style>
-      </p:cxnSp>
-      <p:cxnSp>
-        <p:nvCxnSpPr>
-          <p:cNvPr id="31" name="Conector recto de flecha 30">
-            <a:extLst>
-              <a:ext uri="{FF2B5EF4-FFF2-40B4-BE49-F238E27FC236}">
-                <a16:creationId xmlns:a16="http://schemas.microsoft.com/office/drawing/2014/main" id="{6C605D3A-FB26-ADBB-93FF-2B1E64D42376}"/>
-              </a:ext>
-            </a:extLst>
-          </p:cNvPr>
-          <p:cNvCxnSpPr>
-            <a:cxnSpLocks/>
-          </p:cNvCxnSpPr>
-          <p:nvPr/>
-        </p:nvCxnSpPr>
-        <p:spPr>
-          <a:xfrm flipH="1">
-            <a:off x="8314097" y="4309780"/>
-            <a:ext cx="438" cy="91532"/>
-          </a:xfrm>
-          <a:prstGeom prst="straightConnector1">
-            <a:avLst/>
-          </a:prstGeom>
-          <a:ln w="19050">
-            <a:solidFill>
-              <a:srgbClr val="C00000"/>
-            </a:solidFill>
-            <a:headEnd type="none" w="med" len="med"/>
-            <a:tailEnd type="triangle" w="med" len="med"/>
-          </a:ln>
-        </p:spPr>
-        <p:style>
-          <a:lnRef idx="1">
-            <a:schemeClr val="accent1"/>
-          </a:lnRef>
-          <a:fillRef idx="0">
-            <a:schemeClr val="accent1"/>
-          </a:fillRef>
-          <a:effectRef idx="0">
-            <a:schemeClr val="accent1"/>
-          </a:effectRef>
-          <a:fontRef idx="minor">
-            <a:schemeClr val="tx1"/>
-          </a:fontRef>
-        </p:style>
-      </p:cxnSp>
-      <p:cxnSp>
-        <p:nvCxnSpPr>
-          <p:cNvPr id="34" name="Conector recto de flecha 33">
-            <a:extLst>
-              <a:ext uri="{FF2B5EF4-FFF2-40B4-BE49-F238E27FC236}">
-                <a16:creationId xmlns:a16="http://schemas.microsoft.com/office/drawing/2014/main" id="{3BA6980B-5A3D-E81F-D035-19FD5C285C92}"/>
-              </a:ext>
-            </a:extLst>
-          </p:cNvPr>
-          <p:cNvCxnSpPr>
-            <a:cxnSpLocks/>
-          </p:cNvCxnSpPr>
-          <p:nvPr/>
-        </p:nvCxnSpPr>
-        <p:spPr>
-          <a:xfrm>
-            <a:off x="7010003" y="4414971"/>
-            <a:ext cx="0" cy="273407"/>
-          </a:xfrm>
-          <a:prstGeom prst="straightConnector1">
-            <a:avLst/>
-          </a:prstGeom>
-          <a:ln w="19050">
-            <a:solidFill>
-              <a:srgbClr val="C00000"/>
-            </a:solidFill>
-            <a:headEnd type="triangle" w="med" len="med"/>
-            <a:tailEnd type="none" w="med" len="med"/>
-          </a:ln>
-        </p:spPr>
-        <p:style>
-          <a:lnRef idx="1">
-            <a:schemeClr val="accent1"/>
-          </a:lnRef>
-          <a:fillRef idx="0">
-            <a:schemeClr val="accent1"/>
-          </a:fillRef>
-          <a:effectRef idx="0">
-            <a:schemeClr val="accent1"/>
-          </a:effectRef>
-          <a:fontRef idx="minor">
-            <a:schemeClr val="tx1"/>
-          </a:fontRef>
-        </p:style>
-      </p:cxnSp>
-      <p:cxnSp>
-        <p:nvCxnSpPr>
-          <p:cNvPr id="46" name="Conector recto de flecha 45">
-            <a:extLst>
-              <a:ext uri="{FF2B5EF4-FFF2-40B4-BE49-F238E27FC236}">
-                <a16:creationId xmlns:a16="http://schemas.microsoft.com/office/drawing/2014/main" id="{E97B3D5C-57DF-7BC3-C742-7263AF3662FD}"/>
-              </a:ext>
-            </a:extLst>
-          </p:cNvPr>
-          <p:cNvCxnSpPr>
-            <a:cxnSpLocks/>
-          </p:cNvCxnSpPr>
-          <p:nvPr/>
-        </p:nvCxnSpPr>
-        <p:spPr>
-          <a:xfrm>
-            <a:off x="7648171" y="4018982"/>
-            <a:ext cx="0" cy="382330"/>
-          </a:xfrm>
-          <a:prstGeom prst="straightConnector1">
-            <a:avLst/>
-          </a:prstGeom>
-          <a:ln w="19050">
-            <a:solidFill>
-              <a:srgbClr val="C00000"/>
-            </a:solidFill>
-            <a:headEnd type="none" w="med" len="med"/>
-            <a:tailEnd type="triangle" w="med" len="med"/>
           </a:ln>
         </p:spPr>
         <p:style>
@@ -8820,7 +8532,7 @@
         </p:nvCxnSpPr>
         <p:spPr>
           <a:xfrm>
-            <a:off x="8648158" y="3164761"/>
+            <a:off x="8822439" y="1000250"/>
             <a:ext cx="2656280" cy="0"/>
           </a:xfrm>
           <a:prstGeom prst="line">
@@ -8861,7 +8573,7 @@
         </p:nvSpPr>
         <p:spPr>
           <a:xfrm>
-            <a:off x="8648158" y="2700554"/>
+            <a:off x="8822439" y="536043"/>
             <a:ext cx="2776722" cy="461665"/>
           </a:xfrm>
           <a:prstGeom prst="rect">
@@ -8952,7 +8664,7 @@
         </p:nvSpPr>
         <p:spPr>
           <a:xfrm>
-            <a:off x="9760393" y="3291705"/>
+            <a:off x="9934674" y="1127194"/>
             <a:ext cx="446249" cy="461665"/>
           </a:xfrm>
           <a:prstGeom prst="rect">
@@ -8991,7 +8703,7 @@
         </p:nvSpPr>
         <p:spPr>
           <a:xfrm>
-            <a:off x="7657445" y="2931927"/>
+            <a:off x="7831726" y="767416"/>
             <a:ext cx="1022389" cy="446276"/>
           </a:xfrm>
           <a:prstGeom prst="rect">
@@ -9015,10 +8727,1814 @@
           </a:p>
         </p:txBody>
       </p:sp>
+      <p:sp>
+        <p:nvSpPr>
+          <p:cNvPr id="2" name="CuadroTexto 64">
+            <a:extLst>
+              <a:ext uri="{FF2B5EF4-FFF2-40B4-BE49-F238E27FC236}">
+                <a16:creationId xmlns:a16="http://schemas.microsoft.com/office/drawing/2014/main" id="{2B70173C-64BF-36AD-000B-477D2E559B27}"/>
+              </a:ext>
+            </a:extLst>
+          </p:cNvPr>
+          <p:cNvSpPr txBox="1"/>
+          <p:nvPr/>
+        </p:nvSpPr>
+        <p:spPr>
+          <a:xfrm>
+            <a:off x="8068912" y="2747020"/>
+            <a:ext cx="1368521" cy="369332"/>
+          </a:xfrm>
+          <a:prstGeom prst="rect">
+            <a:avLst/>
+          </a:prstGeom>
+          <a:noFill/>
+        </p:spPr>
+        <p:txBody>
+          <a:bodyPr wrap="square">
+            <a:spAutoFit/>
+          </a:bodyPr>
+          <a:lstStyle/>
+          <a:p>
+            <a:r>
+              <a:rPr lang="es-ES" sz="1800" b="1" dirty="0">
+                <a:latin typeface="Lucida Bright" panose="02040602050505020304" pitchFamily="18" charset="0"/>
+              </a:rPr>
+              <a:t>Mitjana</a:t>
+            </a:r>
+            <a:endParaRPr lang="es-ES" dirty="0"/>
+          </a:p>
+        </p:txBody>
+      </p:sp>
+      <p:cxnSp>
+        <p:nvCxnSpPr>
+          <p:cNvPr id="13" name="Conector recto de flecha 20">
+            <a:extLst>
+              <a:ext uri="{FF2B5EF4-FFF2-40B4-BE49-F238E27FC236}">
+                <a16:creationId xmlns:a16="http://schemas.microsoft.com/office/drawing/2014/main" id="{4E39DDF4-678D-B9DE-B7AC-142D04933703}"/>
+              </a:ext>
+            </a:extLst>
+          </p:cNvPr>
+          <p:cNvCxnSpPr>
+            <a:cxnSpLocks/>
+          </p:cNvCxnSpPr>
+          <p:nvPr/>
+        </p:nvCxnSpPr>
+        <p:spPr>
+          <a:xfrm>
+            <a:off x="10753936" y="4794756"/>
+            <a:ext cx="0" cy="405507"/>
+          </a:xfrm>
+          <a:prstGeom prst="straightConnector1">
+            <a:avLst/>
+          </a:prstGeom>
+          <a:ln w="19050">
+            <a:solidFill>
+              <a:srgbClr val="C00000"/>
+            </a:solidFill>
+            <a:headEnd type="triangle" w="med" len="med"/>
+            <a:tailEnd type="none" w="med" len="med"/>
+          </a:ln>
+        </p:spPr>
+        <p:style>
+          <a:lnRef idx="1">
+            <a:schemeClr val="accent1"/>
+          </a:lnRef>
+          <a:fillRef idx="0">
+            <a:schemeClr val="accent1"/>
+          </a:fillRef>
+          <a:effectRef idx="0">
+            <a:schemeClr val="accent1"/>
+          </a:effectRef>
+          <a:fontRef idx="minor">
+            <a:schemeClr val="tx1"/>
+          </a:fontRef>
+        </p:style>
+      </p:cxnSp>
+      <p:cxnSp>
+        <p:nvCxnSpPr>
+          <p:cNvPr id="26" name="Conector recto de flecha 21">
+            <a:extLst>
+              <a:ext uri="{FF2B5EF4-FFF2-40B4-BE49-F238E27FC236}">
+                <a16:creationId xmlns:a16="http://schemas.microsoft.com/office/drawing/2014/main" id="{F532C34C-9BDD-8535-20FC-8F989063D03A}"/>
+              </a:ext>
+            </a:extLst>
+          </p:cNvPr>
+          <p:cNvCxnSpPr>
+            <a:cxnSpLocks/>
+          </p:cNvCxnSpPr>
+          <p:nvPr/>
+        </p:nvCxnSpPr>
+        <p:spPr>
+          <a:xfrm>
+            <a:off x="11153568" y="4398767"/>
+            <a:ext cx="0" cy="382330"/>
+          </a:xfrm>
+          <a:prstGeom prst="straightConnector1">
+            <a:avLst/>
+          </a:prstGeom>
+          <a:ln w="19050">
+            <a:solidFill>
+              <a:srgbClr val="C00000"/>
+            </a:solidFill>
+            <a:headEnd type="none" w="med" len="med"/>
+            <a:tailEnd type="triangle" w="med" len="med"/>
+          </a:ln>
+        </p:spPr>
+        <p:style>
+          <a:lnRef idx="1">
+            <a:schemeClr val="accent1"/>
+          </a:lnRef>
+          <a:fillRef idx="0">
+            <a:schemeClr val="accent1"/>
+          </a:fillRef>
+          <a:effectRef idx="0">
+            <a:schemeClr val="accent1"/>
+          </a:effectRef>
+          <a:fontRef idx="minor">
+            <a:schemeClr val="tx1"/>
+          </a:fontRef>
+        </p:style>
+      </p:cxnSp>
+      <p:cxnSp>
+        <p:nvCxnSpPr>
+          <p:cNvPr id="35" name="Conector recto de flecha 22">
+            <a:extLst>
+              <a:ext uri="{FF2B5EF4-FFF2-40B4-BE49-F238E27FC236}">
+                <a16:creationId xmlns:a16="http://schemas.microsoft.com/office/drawing/2014/main" id="{C2C09946-3004-491D-2361-63160749B6B1}"/>
+              </a:ext>
+            </a:extLst>
+          </p:cNvPr>
+          <p:cNvCxnSpPr>
+            <a:cxnSpLocks/>
+          </p:cNvCxnSpPr>
+          <p:nvPr/>
+        </p:nvCxnSpPr>
+        <p:spPr>
+          <a:xfrm>
+            <a:off x="10380742" y="4509927"/>
+            <a:ext cx="0" cy="271170"/>
+          </a:xfrm>
+          <a:prstGeom prst="straightConnector1">
+            <a:avLst/>
+          </a:prstGeom>
+          <a:ln w="19050">
+            <a:solidFill>
+              <a:srgbClr val="C00000"/>
+            </a:solidFill>
+            <a:headEnd type="none" w="med" len="med"/>
+            <a:tailEnd type="triangle" w="med" len="med"/>
+          </a:ln>
+        </p:spPr>
+        <p:style>
+          <a:lnRef idx="1">
+            <a:schemeClr val="accent1"/>
+          </a:lnRef>
+          <a:fillRef idx="0">
+            <a:schemeClr val="accent1"/>
+          </a:fillRef>
+          <a:effectRef idx="0">
+            <a:schemeClr val="accent1"/>
+          </a:effectRef>
+          <a:fontRef idx="minor">
+            <a:schemeClr val="tx1"/>
+          </a:fontRef>
+        </p:style>
+      </p:cxnSp>
+      <p:cxnSp>
+        <p:nvCxnSpPr>
+          <p:cNvPr id="39" name="Conector recto de flecha 13">
+            <a:extLst>
+              <a:ext uri="{FF2B5EF4-FFF2-40B4-BE49-F238E27FC236}">
+                <a16:creationId xmlns:a16="http://schemas.microsoft.com/office/drawing/2014/main" id="{0FCE13D0-C1E6-6D62-2468-55B967216AFD}"/>
+              </a:ext>
+            </a:extLst>
+          </p:cNvPr>
+          <p:cNvCxnSpPr>
+            <a:cxnSpLocks/>
+          </p:cNvCxnSpPr>
+          <p:nvPr/>
+        </p:nvCxnSpPr>
+        <p:spPr>
+          <a:xfrm flipH="1">
+            <a:off x="11547950" y="4668118"/>
+            <a:ext cx="438" cy="91532"/>
+          </a:xfrm>
+          <a:prstGeom prst="straightConnector1">
+            <a:avLst/>
+          </a:prstGeom>
+          <a:ln w="19050">
+            <a:solidFill>
+              <a:srgbClr val="C00000"/>
+            </a:solidFill>
+            <a:headEnd type="none" w="med" len="med"/>
+            <a:tailEnd type="triangle" w="med" len="med"/>
+          </a:ln>
+        </p:spPr>
+        <p:style>
+          <a:lnRef idx="1">
+            <a:schemeClr val="accent1"/>
+          </a:lnRef>
+          <a:fillRef idx="0">
+            <a:schemeClr val="accent1"/>
+          </a:fillRef>
+          <a:effectRef idx="0">
+            <a:schemeClr val="accent1"/>
+          </a:effectRef>
+          <a:fontRef idx="minor">
+            <a:schemeClr val="tx1"/>
+          </a:fontRef>
+        </p:style>
+      </p:cxnSp>
+      <p:cxnSp>
+        <p:nvCxnSpPr>
+          <p:cNvPr id="40" name="Conector recto de flecha 7">
+            <a:extLst>
+              <a:ext uri="{FF2B5EF4-FFF2-40B4-BE49-F238E27FC236}">
+                <a16:creationId xmlns:a16="http://schemas.microsoft.com/office/drawing/2014/main" id="{EC0DF2BB-4EDE-0496-FFD6-67D03737F06A}"/>
+              </a:ext>
+            </a:extLst>
+          </p:cNvPr>
+          <p:cNvCxnSpPr>
+            <a:cxnSpLocks/>
+          </p:cNvCxnSpPr>
+          <p:nvPr/>
+        </p:nvCxnSpPr>
+        <p:spPr>
+          <a:xfrm>
+            <a:off x="9979818" y="4789467"/>
+            <a:ext cx="0" cy="26010"/>
+          </a:xfrm>
+          <a:prstGeom prst="straightConnector1">
+            <a:avLst/>
+          </a:prstGeom>
+          <a:ln w="19050">
+            <a:solidFill>
+              <a:srgbClr val="C00000"/>
+            </a:solidFill>
+            <a:headEnd type="triangle" w="med" len="med"/>
+            <a:tailEnd type="none" w="med" len="med"/>
+          </a:ln>
+        </p:spPr>
+        <p:style>
+          <a:lnRef idx="1">
+            <a:schemeClr val="accent1"/>
+          </a:lnRef>
+          <a:fillRef idx="0">
+            <a:schemeClr val="accent1"/>
+          </a:fillRef>
+          <a:effectRef idx="0">
+            <a:schemeClr val="accent1"/>
+          </a:effectRef>
+          <a:fontRef idx="minor">
+            <a:schemeClr val="tx1"/>
+          </a:fontRef>
+        </p:style>
+      </p:cxnSp>
     </p:spTree>
     <p:extLst>
       <p:ext uri="{BB962C8B-B14F-4D97-AF65-F5344CB8AC3E}">
         <p14:creationId xmlns:p14="http://schemas.microsoft.com/office/powerpoint/2010/main" val="902159972"/>
+      </p:ext>
+    </p:extLst>
+  </p:cSld>
+  <p:clrMapOvr>
+    <a:masterClrMapping/>
+  </p:clrMapOvr>
+</p:sld>
+</file>
+
+<file path=ppt/slides/slide5.xml><?xml version="1.0" encoding="utf-8"?>
+<p:sld xmlns:a="http://schemas.openxmlformats.org/drawingml/2006/main" xmlns:r="http://schemas.openxmlformats.org/officeDocument/2006/relationships" xmlns:p="http://schemas.openxmlformats.org/presentationml/2006/main">
+  <p:cSld>
+    <p:spTree>
+      <p:nvGrpSpPr>
+        <p:cNvPr id="1" name=""/>
+        <p:cNvGrpSpPr/>
+        <p:nvPr/>
+      </p:nvGrpSpPr>
+      <p:grpSpPr>
+        <a:xfrm>
+          <a:off x="0" y="0"/>
+          <a:ext cx="0" cy="0"/>
+          <a:chOff x="0" y="0"/>
+          <a:chExt cx="0" cy="0"/>
+        </a:xfrm>
+      </p:grpSpPr>
+      <p:sp>
+        <p:nvSpPr>
+          <p:cNvPr id="5" name="4 Rectángulo"/>
+          <p:cNvSpPr/>
+          <p:nvPr/>
+        </p:nvSpPr>
+        <p:spPr>
+          <a:xfrm>
+            <a:off x="1524000" y="6525344"/>
+            <a:ext cx="9144000" cy="360040"/>
+          </a:xfrm>
+          <a:prstGeom prst="rect">
+            <a:avLst/>
+          </a:prstGeom>
+          <a:solidFill>
+            <a:srgbClr val="002060"/>
+          </a:solidFill>
+          <a:ln>
+            <a:noFill/>
+          </a:ln>
+        </p:spPr>
+        <p:style>
+          <a:lnRef idx="2">
+            <a:schemeClr val="accent1">
+              <a:shade val="50000"/>
+            </a:schemeClr>
+          </a:lnRef>
+          <a:fillRef idx="1">
+            <a:schemeClr val="accent1"/>
+          </a:fillRef>
+          <a:effectRef idx="0">
+            <a:schemeClr val="accent1"/>
+          </a:effectRef>
+          <a:fontRef idx="minor">
+            <a:schemeClr val="lt1"/>
+          </a:fontRef>
+        </p:style>
+        <p:txBody>
+          <a:bodyPr rtlCol="0" anchor="ctr"/>
+          <a:lstStyle/>
+          <a:p>
+            <a:pPr algn="ctr"/>
+            <a:endParaRPr lang="es-ES"/>
+          </a:p>
+        </p:txBody>
+      </p:sp>
+      <p:sp>
+        <p:nvSpPr>
+          <p:cNvPr id="7" name="6 Marcador de número de diapositiva"/>
+          <p:cNvSpPr>
+            <a:spLocks noGrp="1"/>
+          </p:cNvSpPr>
+          <p:nvPr>
+            <p:ph type="sldNum" sz="quarter" idx="12"/>
+          </p:nvPr>
+        </p:nvSpPr>
+        <p:spPr>
+          <a:xfrm>
+            <a:off x="8077200" y="6520260"/>
+            <a:ext cx="2133600" cy="365125"/>
+          </a:xfrm>
+        </p:spPr>
+        <p:txBody>
+          <a:bodyPr/>
+          <a:lstStyle/>
+          <a:p>
+            <a:fld id="{3B48F495-DFE0-4428-A4DB-CC3DF6BD9148}" type="slidenum">
+              <a:rPr lang="es-ES" smtClean="0">
+                <a:solidFill>
+                  <a:schemeClr val="bg1"/>
+                </a:solidFill>
+              </a:rPr>
+              <a:pPr/>
+              <a:t>5</a:t>
+            </a:fld>
+            <a:endParaRPr lang="es-ES" dirty="0">
+              <a:solidFill>
+                <a:schemeClr val="bg1"/>
+              </a:solidFill>
+            </a:endParaRPr>
+          </a:p>
+        </p:txBody>
+      </p:sp>
+      <p:pic>
+        <p:nvPicPr>
+          <p:cNvPr id="35" name="Picture 4" descr="Imatge relacionada">
+            <a:extLst>
+              <a:ext uri="{FF2B5EF4-FFF2-40B4-BE49-F238E27FC236}">
+                <a16:creationId xmlns:a16="http://schemas.microsoft.com/office/drawing/2014/main" id="{786F2AE8-1A42-998E-6954-AF473D668DEA}"/>
+              </a:ext>
+            </a:extLst>
+          </p:cNvPr>
+          <p:cNvPicPr>
+            <a:picLocks noChangeAspect="1" noChangeArrowheads="1"/>
+          </p:cNvPicPr>
+          <p:nvPr/>
+        </p:nvPicPr>
+        <p:blipFill>
+          <a:blip r:embed="rId3" cstate="print"/>
+          <a:srcRect/>
+          <a:stretch>
+            <a:fillRect/>
+          </a:stretch>
+        </p:blipFill>
+        <p:spPr bwMode="auto">
+          <a:xfrm>
+            <a:off x="6086984" y="1527716"/>
+            <a:ext cx="1440160" cy="1440160"/>
+          </a:xfrm>
+          <a:prstGeom prst="rect">
+            <a:avLst/>
+          </a:prstGeom>
+          <a:noFill/>
+        </p:spPr>
+      </p:pic>
+      <p:pic>
+        <p:nvPicPr>
+          <p:cNvPr id="36" name="Picture 4" descr="Imatge relacionada">
+            <a:extLst>
+              <a:ext uri="{FF2B5EF4-FFF2-40B4-BE49-F238E27FC236}">
+                <a16:creationId xmlns:a16="http://schemas.microsoft.com/office/drawing/2014/main" id="{73C0E66D-FF11-6BBF-F7D4-0E1EF5D58E35}"/>
+              </a:ext>
+            </a:extLst>
+          </p:cNvPr>
+          <p:cNvPicPr>
+            <a:picLocks noChangeAspect="1" noChangeArrowheads="1"/>
+          </p:cNvPicPr>
+          <p:nvPr/>
+        </p:nvPicPr>
+        <p:blipFill>
+          <a:blip r:embed="rId3" cstate="print"/>
+          <a:srcRect/>
+          <a:stretch>
+            <a:fillRect/>
+          </a:stretch>
+        </p:blipFill>
+        <p:spPr bwMode="auto">
+          <a:xfrm>
+            <a:off x="7345772" y="1311692"/>
+            <a:ext cx="1440160" cy="1656184"/>
+          </a:xfrm>
+          <a:prstGeom prst="rect">
+            <a:avLst/>
+          </a:prstGeom>
+          <a:noFill/>
+        </p:spPr>
+      </p:pic>
+      <p:pic>
+        <p:nvPicPr>
+          <p:cNvPr id="37" name="Picture 4" descr="Imatge relacionada">
+            <a:extLst>
+              <a:ext uri="{FF2B5EF4-FFF2-40B4-BE49-F238E27FC236}">
+                <a16:creationId xmlns:a16="http://schemas.microsoft.com/office/drawing/2014/main" id="{373599D8-0C6D-F64A-891D-BEC4CBD9043E}"/>
+              </a:ext>
+            </a:extLst>
+          </p:cNvPr>
+          <p:cNvPicPr>
+            <a:picLocks noChangeAspect="1" noChangeArrowheads="1"/>
+          </p:cNvPicPr>
+          <p:nvPr/>
+        </p:nvPicPr>
+        <p:blipFill>
+          <a:blip r:embed="rId3" cstate="print"/>
+          <a:srcRect/>
+          <a:stretch>
+            <a:fillRect/>
+          </a:stretch>
+        </p:blipFill>
+        <p:spPr bwMode="auto">
+          <a:xfrm>
+            <a:off x="5473564" y="1705136"/>
+            <a:ext cx="1440160" cy="1262740"/>
+          </a:xfrm>
+          <a:prstGeom prst="rect">
+            <a:avLst/>
+          </a:prstGeom>
+          <a:noFill/>
+        </p:spPr>
+      </p:pic>
+      <p:pic>
+        <p:nvPicPr>
+          <p:cNvPr id="38" name="Picture 4" descr="Imatge relacionada">
+            <a:extLst>
+              <a:ext uri="{FF2B5EF4-FFF2-40B4-BE49-F238E27FC236}">
+                <a16:creationId xmlns:a16="http://schemas.microsoft.com/office/drawing/2014/main" id="{117C581C-60EE-F0AF-931A-6F98EF2D1144}"/>
+              </a:ext>
+            </a:extLst>
+          </p:cNvPr>
+          <p:cNvPicPr>
+            <a:picLocks noChangeAspect="1" noChangeArrowheads="1"/>
+          </p:cNvPicPr>
+          <p:nvPr/>
+        </p:nvPicPr>
+        <p:blipFill>
+          <a:blip r:embed="rId3" cstate="print"/>
+          <a:srcRect/>
+          <a:stretch>
+            <a:fillRect/>
+          </a:stretch>
+        </p:blipFill>
+        <p:spPr bwMode="auto">
+          <a:xfrm>
+            <a:off x="7927576" y="1172760"/>
+            <a:ext cx="1440160" cy="1795116"/>
+          </a:xfrm>
+          <a:prstGeom prst="rect">
+            <a:avLst/>
+          </a:prstGeom>
+          <a:noFill/>
+        </p:spPr>
+      </p:pic>
+      <p:pic>
+        <p:nvPicPr>
+          <p:cNvPr id="39" name="Picture 4" descr="Imatge relacionada">
+            <a:extLst>
+              <a:ext uri="{FF2B5EF4-FFF2-40B4-BE49-F238E27FC236}">
+                <a16:creationId xmlns:a16="http://schemas.microsoft.com/office/drawing/2014/main" id="{1904CF5E-84DC-9FE8-0148-F47FDBC6D138}"/>
+              </a:ext>
+            </a:extLst>
+          </p:cNvPr>
+          <p:cNvPicPr>
+            <a:picLocks noChangeAspect="1" noChangeArrowheads="1"/>
+          </p:cNvPicPr>
+          <p:nvPr/>
+        </p:nvPicPr>
+        <p:blipFill>
+          <a:blip r:embed="rId3" cstate="print"/>
+          <a:srcRect/>
+          <a:stretch>
+            <a:fillRect/>
+          </a:stretch>
+        </p:blipFill>
+        <p:spPr bwMode="auto">
+          <a:xfrm>
+            <a:off x="6723988" y="1407956"/>
+            <a:ext cx="1440160" cy="1559920"/>
+          </a:xfrm>
+          <a:prstGeom prst="rect">
+            <a:avLst/>
+          </a:prstGeom>
+          <a:noFill/>
+        </p:spPr>
+      </p:pic>
+      <p:sp>
+        <p:nvSpPr>
+          <p:cNvPr id="40" name="Rectángulo 39">
+            <a:extLst>
+              <a:ext uri="{FF2B5EF4-FFF2-40B4-BE49-F238E27FC236}">
+                <a16:creationId xmlns:a16="http://schemas.microsoft.com/office/drawing/2014/main" id="{DFBAD0B3-B3A6-9682-04B2-BE4844A20093}"/>
+              </a:ext>
+            </a:extLst>
+          </p:cNvPr>
+          <p:cNvSpPr/>
+          <p:nvPr/>
+        </p:nvSpPr>
+        <p:spPr>
+          <a:xfrm>
+            <a:off x="7102626" y="1380272"/>
+            <a:ext cx="720090" cy="1656184"/>
+          </a:xfrm>
+          <a:prstGeom prst="rect">
+            <a:avLst/>
+          </a:prstGeom>
+          <a:noFill/>
+          <a:ln>
+            <a:solidFill>
+              <a:schemeClr val="tx1"/>
+            </a:solidFill>
+          </a:ln>
+        </p:spPr>
+        <p:style>
+          <a:lnRef idx="2">
+            <a:schemeClr val="accent1">
+              <a:shade val="50000"/>
+            </a:schemeClr>
+          </a:lnRef>
+          <a:fillRef idx="1">
+            <a:schemeClr val="accent1"/>
+          </a:fillRef>
+          <a:effectRef idx="0">
+            <a:schemeClr val="accent1"/>
+          </a:effectRef>
+          <a:fontRef idx="minor">
+            <a:schemeClr val="lt1"/>
+          </a:fontRef>
+        </p:style>
+        <p:txBody>
+          <a:bodyPr rtlCol="0" anchor="ctr"/>
+          <a:lstStyle/>
+          <a:p>
+            <a:pPr algn="ctr"/>
+            <a:endParaRPr lang="es-ES" dirty="0"/>
+          </a:p>
+        </p:txBody>
+      </p:sp>
+      <p:pic>
+        <p:nvPicPr>
+          <p:cNvPr id="41" name="Picture 4" descr="Imatge relacionada">
+            <a:extLst>
+              <a:ext uri="{FF2B5EF4-FFF2-40B4-BE49-F238E27FC236}">
+                <a16:creationId xmlns:a16="http://schemas.microsoft.com/office/drawing/2014/main" id="{D486122D-70C5-BD09-5AC5-A4E7E830E75E}"/>
+              </a:ext>
+            </a:extLst>
+          </p:cNvPr>
+          <p:cNvPicPr>
+            <a:picLocks noChangeAspect="1" noChangeArrowheads="1"/>
+          </p:cNvPicPr>
+          <p:nvPr/>
+        </p:nvPicPr>
+        <p:blipFill>
+          <a:blip r:embed="rId3" cstate="print"/>
+          <a:srcRect/>
+          <a:stretch>
+            <a:fillRect/>
+          </a:stretch>
+        </p:blipFill>
+        <p:spPr bwMode="auto">
+          <a:xfrm>
+            <a:off x="279471" y="1513420"/>
+            <a:ext cx="1440160" cy="1440160"/>
+          </a:xfrm>
+          <a:prstGeom prst="rect">
+            <a:avLst/>
+          </a:prstGeom>
+          <a:noFill/>
+        </p:spPr>
+      </p:pic>
+      <p:pic>
+        <p:nvPicPr>
+          <p:cNvPr id="42" name="Picture 4" descr="Imatge relacionada">
+            <a:extLst>
+              <a:ext uri="{FF2B5EF4-FFF2-40B4-BE49-F238E27FC236}">
+                <a16:creationId xmlns:a16="http://schemas.microsoft.com/office/drawing/2014/main" id="{D00761DF-FFAA-B5CC-6A89-0BEA5463A129}"/>
+              </a:ext>
+            </a:extLst>
+          </p:cNvPr>
+          <p:cNvPicPr>
+            <a:picLocks noChangeAspect="1" noChangeArrowheads="1"/>
+          </p:cNvPicPr>
+          <p:nvPr/>
+        </p:nvPicPr>
+        <p:blipFill>
+          <a:blip r:embed="rId3" cstate="print"/>
+          <a:srcRect/>
+          <a:stretch>
+            <a:fillRect/>
+          </a:stretch>
+        </p:blipFill>
+        <p:spPr bwMode="auto">
+          <a:xfrm>
+            <a:off x="927543" y="1297396"/>
+            <a:ext cx="1440160" cy="1656184"/>
+          </a:xfrm>
+          <a:prstGeom prst="rect">
+            <a:avLst/>
+          </a:prstGeom>
+          <a:noFill/>
+        </p:spPr>
+      </p:pic>
+      <p:pic>
+        <p:nvPicPr>
+          <p:cNvPr id="43" name="Picture 4" descr="Imatge relacionada">
+            <a:extLst>
+              <a:ext uri="{FF2B5EF4-FFF2-40B4-BE49-F238E27FC236}">
+                <a16:creationId xmlns:a16="http://schemas.microsoft.com/office/drawing/2014/main" id="{A90CD0C9-10B6-4959-58D1-D357DE014A9B}"/>
+              </a:ext>
+            </a:extLst>
+          </p:cNvPr>
+          <p:cNvPicPr>
+            <a:picLocks noChangeAspect="1" noChangeArrowheads="1"/>
+          </p:cNvPicPr>
+          <p:nvPr/>
+        </p:nvPicPr>
+        <p:blipFill>
+          <a:blip r:embed="rId3" cstate="print"/>
+          <a:srcRect/>
+          <a:stretch>
+            <a:fillRect/>
+          </a:stretch>
+        </p:blipFill>
+        <p:spPr bwMode="auto">
+          <a:xfrm>
+            <a:off x="1575615" y="1690840"/>
+            <a:ext cx="1440160" cy="1262740"/>
+          </a:xfrm>
+          <a:prstGeom prst="rect">
+            <a:avLst/>
+          </a:prstGeom>
+          <a:noFill/>
+        </p:spPr>
+      </p:pic>
+      <p:pic>
+        <p:nvPicPr>
+          <p:cNvPr id="44" name="Picture 4" descr="Imatge relacionada">
+            <a:extLst>
+              <a:ext uri="{FF2B5EF4-FFF2-40B4-BE49-F238E27FC236}">
+                <a16:creationId xmlns:a16="http://schemas.microsoft.com/office/drawing/2014/main" id="{2E779C22-F943-51DF-4C24-A599A829B42F}"/>
+              </a:ext>
+            </a:extLst>
+          </p:cNvPr>
+          <p:cNvPicPr>
+            <a:picLocks noChangeAspect="1" noChangeArrowheads="1"/>
+          </p:cNvPicPr>
+          <p:nvPr/>
+        </p:nvPicPr>
+        <p:blipFill>
+          <a:blip r:embed="rId3" cstate="print"/>
+          <a:srcRect/>
+          <a:stretch>
+            <a:fillRect/>
+          </a:stretch>
+        </p:blipFill>
+        <p:spPr bwMode="auto">
+          <a:xfrm>
+            <a:off x="2223687" y="1158464"/>
+            <a:ext cx="1440160" cy="1795116"/>
+          </a:xfrm>
+          <a:prstGeom prst="rect">
+            <a:avLst/>
+          </a:prstGeom>
+          <a:noFill/>
+        </p:spPr>
+      </p:pic>
+      <p:pic>
+        <p:nvPicPr>
+          <p:cNvPr id="45" name="Picture 4" descr="Imatge relacionada">
+            <a:extLst>
+              <a:ext uri="{FF2B5EF4-FFF2-40B4-BE49-F238E27FC236}">
+                <a16:creationId xmlns:a16="http://schemas.microsoft.com/office/drawing/2014/main" id="{B679D97D-CD4B-9E5A-56FE-8CF27D87F444}"/>
+              </a:ext>
+            </a:extLst>
+          </p:cNvPr>
+          <p:cNvPicPr>
+            <a:picLocks noChangeAspect="1" noChangeArrowheads="1"/>
+          </p:cNvPicPr>
+          <p:nvPr/>
+        </p:nvPicPr>
+        <p:blipFill>
+          <a:blip r:embed="rId3" cstate="print"/>
+          <a:srcRect/>
+          <a:stretch>
+            <a:fillRect/>
+          </a:stretch>
+        </p:blipFill>
+        <p:spPr bwMode="auto">
+          <a:xfrm>
+            <a:off x="2871759" y="1393660"/>
+            <a:ext cx="1440160" cy="1559920"/>
+          </a:xfrm>
+          <a:prstGeom prst="rect">
+            <a:avLst/>
+          </a:prstGeom>
+          <a:noFill/>
+        </p:spPr>
+      </p:pic>
+      <p:cxnSp>
+        <p:nvCxnSpPr>
+          <p:cNvPr id="47" name="Conector recto 46">
+            <a:extLst>
+              <a:ext uri="{FF2B5EF4-FFF2-40B4-BE49-F238E27FC236}">
+                <a16:creationId xmlns:a16="http://schemas.microsoft.com/office/drawing/2014/main" id="{4C539739-35A1-5017-F481-DB8134F6FD5E}"/>
+              </a:ext>
+            </a:extLst>
+          </p:cNvPr>
+          <p:cNvCxnSpPr/>
+          <p:nvPr/>
+        </p:nvCxnSpPr>
+        <p:spPr>
+          <a:xfrm>
+            <a:off x="494509" y="1669820"/>
+            <a:ext cx="3715407" cy="0"/>
+          </a:xfrm>
+          <a:prstGeom prst="line">
+            <a:avLst/>
+          </a:prstGeom>
+          <a:ln w="19050"/>
+        </p:spPr>
+        <p:style>
+          <a:lnRef idx="1">
+            <a:schemeClr val="dk1"/>
+          </a:lnRef>
+          <a:fillRef idx="0">
+            <a:schemeClr val="dk1"/>
+          </a:fillRef>
+          <a:effectRef idx="0">
+            <a:schemeClr val="dk1"/>
+          </a:effectRef>
+          <a:fontRef idx="minor">
+            <a:schemeClr val="tx1"/>
+          </a:fontRef>
+        </p:style>
+      </p:cxnSp>
+      <p:cxnSp>
+        <p:nvCxnSpPr>
+          <p:cNvPr id="51" name="Conector recto de flecha 50">
+            <a:extLst>
+              <a:ext uri="{FF2B5EF4-FFF2-40B4-BE49-F238E27FC236}">
+                <a16:creationId xmlns:a16="http://schemas.microsoft.com/office/drawing/2014/main" id="{D667E13E-ADD3-B9AC-8462-7534FD2AD858}"/>
+              </a:ext>
+            </a:extLst>
+          </p:cNvPr>
+          <p:cNvCxnSpPr>
+            <a:cxnSpLocks/>
+          </p:cNvCxnSpPr>
+          <p:nvPr/>
+        </p:nvCxnSpPr>
+        <p:spPr>
+          <a:xfrm>
+            <a:off x="2303932" y="1678489"/>
+            <a:ext cx="0" cy="183063"/>
+          </a:xfrm>
+          <a:prstGeom prst="straightConnector1">
+            <a:avLst/>
+          </a:prstGeom>
+          <a:ln w="19050">
+            <a:solidFill>
+              <a:srgbClr val="C00000"/>
+            </a:solidFill>
+            <a:headEnd type="triangle" w="med" len="med"/>
+            <a:tailEnd type="none" w="med" len="med"/>
+          </a:ln>
+        </p:spPr>
+        <p:style>
+          <a:lnRef idx="1">
+            <a:schemeClr val="accent1"/>
+          </a:lnRef>
+          <a:fillRef idx="0">
+            <a:schemeClr val="accent1"/>
+          </a:fillRef>
+          <a:effectRef idx="0">
+            <a:schemeClr val="accent1"/>
+          </a:effectRef>
+          <a:fontRef idx="minor">
+            <a:schemeClr val="tx1"/>
+          </a:fontRef>
+        </p:style>
+      </p:cxnSp>
+      <p:cxnSp>
+        <p:nvCxnSpPr>
+          <p:cNvPr id="55" name="Conector recto de flecha 54">
+            <a:extLst>
+              <a:ext uri="{FF2B5EF4-FFF2-40B4-BE49-F238E27FC236}">
+                <a16:creationId xmlns:a16="http://schemas.microsoft.com/office/drawing/2014/main" id="{5B915F91-604B-C8B8-DFE5-9DC219902C2B}"/>
+              </a:ext>
+            </a:extLst>
+          </p:cNvPr>
+          <p:cNvCxnSpPr>
+            <a:cxnSpLocks/>
+          </p:cNvCxnSpPr>
+          <p:nvPr/>
+        </p:nvCxnSpPr>
+        <p:spPr>
+          <a:xfrm>
+            <a:off x="2942100" y="1393660"/>
+            <a:ext cx="0" cy="271170"/>
+          </a:xfrm>
+          <a:prstGeom prst="straightConnector1">
+            <a:avLst/>
+          </a:prstGeom>
+          <a:ln w="19050">
+            <a:solidFill>
+              <a:srgbClr val="C00000"/>
+            </a:solidFill>
+            <a:headEnd type="none" w="med" len="med"/>
+            <a:tailEnd type="triangle" w="med" len="med"/>
+          </a:ln>
+        </p:spPr>
+        <p:style>
+          <a:lnRef idx="1">
+            <a:schemeClr val="accent1"/>
+          </a:lnRef>
+          <a:fillRef idx="0">
+            <a:schemeClr val="accent1"/>
+          </a:fillRef>
+          <a:effectRef idx="0">
+            <a:schemeClr val="accent1"/>
+          </a:effectRef>
+          <a:fontRef idx="minor">
+            <a:schemeClr val="tx1"/>
+          </a:fontRef>
+        </p:style>
+      </p:cxnSp>
+      <p:cxnSp>
+        <p:nvCxnSpPr>
+          <p:cNvPr id="57" name="Conector recto de flecha 56">
+            <a:extLst>
+              <a:ext uri="{FF2B5EF4-FFF2-40B4-BE49-F238E27FC236}">
+                <a16:creationId xmlns:a16="http://schemas.microsoft.com/office/drawing/2014/main" id="{02EE686B-DA9C-8E88-68E2-11C35443E3F8}"/>
+              </a:ext>
+            </a:extLst>
+          </p:cNvPr>
+          <p:cNvCxnSpPr>
+            <a:cxnSpLocks/>
+          </p:cNvCxnSpPr>
+          <p:nvPr/>
+        </p:nvCxnSpPr>
+        <p:spPr>
+          <a:xfrm>
+            <a:off x="1642507" y="1481767"/>
+            <a:ext cx="0" cy="183063"/>
+          </a:xfrm>
+          <a:prstGeom prst="straightConnector1">
+            <a:avLst/>
+          </a:prstGeom>
+          <a:ln w="19050">
+            <a:solidFill>
+              <a:srgbClr val="C00000"/>
+            </a:solidFill>
+            <a:headEnd type="none" w="med" len="med"/>
+            <a:tailEnd type="triangle" w="med" len="med"/>
+          </a:ln>
+        </p:spPr>
+        <p:style>
+          <a:lnRef idx="1">
+            <a:schemeClr val="accent1"/>
+          </a:lnRef>
+          <a:fillRef idx="0">
+            <a:schemeClr val="accent1"/>
+          </a:fillRef>
+          <a:effectRef idx="0">
+            <a:schemeClr val="accent1"/>
+          </a:effectRef>
+          <a:fontRef idx="minor">
+            <a:schemeClr val="tx1"/>
+          </a:fontRef>
+        </p:style>
+      </p:cxnSp>
+      <p:cxnSp>
+        <p:nvCxnSpPr>
+          <p:cNvPr id="59" name="Conector recto de flecha 58">
+            <a:extLst>
+              <a:ext uri="{FF2B5EF4-FFF2-40B4-BE49-F238E27FC236}">
+                <a16:creationId xmlns:a16="http://schemas.microsoft.com/office/drawing/2014/main" id="{629E65DD-B41E-8B1A-3837-222DB88BF4D8}"/>
+              </a:ext>
+            </a:extLst>
+          </p:cNvPr>
+          <p:cNvCxnSpPr>
+            <a:cxnSpLocks/>
+          </p:cNvCxnSpPr>
+          <p:nvPr/>
+        </p:nvCxnSpPr>
+        <p:spPr>
+          <a:xfrm>
+            <a:off x="999551" y="1664830"/>
+            <a:ext cx="0" cy="26010"/>
+          </a:xfrm>
+          <a:prstGeom prst="straightConnector1">
+            <a:avLst/>
+          </a:prstGeom>
+          <a:ln w="19050">
+            <a:solidFill>
+              <a:srgbClr val="C00000"/>
+            </a:solidFill>
+            <a:headEnd type="triangle"/>
+            <a:tailEnd type="triangle"/>
+          </a:ln>
+        </p:spPr>
+        <p:style>
+          <a:lnRef idx="1">
+            <a:schemeClr val="accent1"/>
+          </a:lnRef>
+          <a:fillRef idx="0">
+            <a:schemeClr val="accent1"/>
+          </a:fillRef>
+          <a:effectRef idx="0">
+            <a:schemeClr val="accent1"/>
+          </a:effectRef>
+          <a:fontRef idx="minor">
+            <a:schemeClr val="tx1"/>
+          </a:fontRef>
+        </p:style>
+      </p:cxnSp>
+      <p:cxnSp>
+        <p:nvCxnSpPr>
+          <p:cNvPr id="61" name="Conector recto de flecha 60">
+            <a:extLst>
+              <a:ext uri="{FF2B5EF4-FFF2-40B4-BE49-F238E27FC236}">
+                <a16:creationId xmlns:a16="http://schemas.microsoft.com/office/drawing/2014/main" id="{0878B69A-50E7-F9C0-E9B6-20BEEC4C738E}"/>
+              </a:ext>
+            </a:extLst>
+          </p:cNvPr>
+          <p:cNvCxnSpPr>
+            <a:cxnSpLocks/>
+          </p:cNvCxnSpPr>
+          <p:nvPr/>
+        </p:nvCxnSpPr>
+        <p:spPr>
+          <a:xfrm flipH="1">
+            <a:off x="3591401" y="1573298"/>
+            <a:ext cx="438" cy="91532"/>
+          </a:xfrm>
+          <a:prstGeom prst="straightConnector1">
+            <a:avLst/>
+          </a:prstGeom>
+          <a:ln w="19050">
+            <a:solidFill>
+              <a:srgbClr val="C00000"/>
+            </a:solidFill>
+            <a:headEnd type="triangle"/>
+            <a:tailEnd type="triangle"/>
+          </a:ln>
+        </p:spPr>
+        <p:style>
+          <a:lnRef idx="1">
+            <a:schemeClr val="accent1"/>
+          </a:lnRef>
+          <a:fillRef idx="0">
+            <a:schemeClr val="accent1"/>
+          </a:fillRef>
+          <a:effectRef idx="0">
+            <a:schemeClr val="accent1"/>
+          </a:effectRef>
+          <a:fontRef idx="minor">
+            <a:schemeClr val="tx1"/>
+          </a:fontRef>
+        </p:style>
+      </p:cxnSp>
+      <p:pic>
+        <p:nvPicPr>
+          <p:cNvPr id="6" name="Picture 4" descr="Imatge relacionada">
+            <a:extLst>
+              <a:ext uri="{FF2B5EF4-FFF2-40B4-BE49-F238E27FC236}">
+                <a16:creationId xmlns:a16="http://schemas.microsoft.com/office/drawing/2014/main" id="{85EA71EE-0657-F23A-A67B-4EDB812D0E75}"/>
+              </a:ext>
+            </a:extLst>
+          </p:cNvPr>
+          <p:cNvPicPr>
+            <a:picLocks noChangeAspect="1" noChangeArrowheads="1"/>
+          </p:cNvPicPr>
+          <p:nvPr/>
+        </p:nvPicPr>
+        <p:blipFill>
+          <a:blip r:embed="rId3" cstate="print"/>
+          <a:srcRect/>
+          <a:stretch>
+            <a:fillRect/>
+          </a:stretch>
+        </p:blipFill>
+        <p:spPr bwMode="auto">
+          <a:xfrm>
+            <a:off x="1540963" y="4664589"/>
+            <a:ext cx="1440160" cy="1440160"/>
+          </a:xfrm>
+          <a:prstGeom prst="rect">
+            <a:avLst/>
+          </a:prstGeom>
+          <a:noFill/>
+        </p:spPr>
+      </p:pic>
+      <p:pic>
+        <p:nvPicPr>
+          <p:cNvPr id="14" name="Picture 4" descr="Imatge relacionada">
+            <a:extLst>
+              <a:ext uri="{FF2B5EF4-FFF2-40B4-BE49-F238E27FC236}">
+                <a16:creationId xmlns:a16="http://schemas.microsoft.com/office/drawing/2014/main" id="{4535F98F-9838-0EAC-C19B-5E07BEA6C701}"/>
+              </a:ext>
+            </a:extLst>
+          </p:cNvPr>
+          <p:cNvPicPr>
+            <a:picLocks noChangeAspect="1" noChangeArrowheads="1"/>
+          </p:cNvPicPr>
+          <p:nvPr/>
+        </p:nvPicPr>
+        <p:blipFill>
+          <a:blip r:embed="rId3" cstate="print"/>
+          <a:srcRect/>
+          <a:stretch>
+            <a:fillRect/>
+          </a:stretch>
+        </p:blipFill>
+        <p:spPr bwMode="auto">
+          <a:xfrm>
+            <a:off x="2799751" y="4448565"/>
+            <a:ext cx="1440160" cy="1656184"/>
+          </a:xfrm>
+          <a:prstGeom prst="rect">
+            <a:avLst/>
+          </a:prstGeom>
+          <a:noFill/>
+        </p:spPr>
+      </p:pic>
+      <p:pic>
+        <p:nvPicPr>
+          <p:cNvPr id="15" name="Picture 4" descr="Imatge relacionada">
+            <a:extLst>
+              <a:ext uri="{FF2B5EF4-FFF2-40B4-BE49-F238E27FC236}">
+                <a16:creationId xmlns:a16="http://schemas.microsoft.com/office/drawing/2014/main" id="{65F47940-8109-BC16-B924-4BB59CFCE7D8}"/>
+              </a:ext>
+            </a:extLst>
+          </p:cNvPr>
+          <p:cNvPicPr>
+            <a:picLocks noChangeAspect="1" noChangeArrowheads="1"/>
+          </p:cNvPicPr>
+          <p:nvPr/>
+        </p:nvPicPr>
+        <p:blipFill>
+          <a:blip r:embed="rId3" cstate="print"/>
+          <a:srcRect/>
+          <a:stretch>
+            <a:fillRect/>
+          </a:stretch>
+        </p:blipFill>
+        <p:spPr bwMode="auto">
+          <a:xfrm>
+            <a:off x="927543" y="4842009"/>
+            <a:ext cx="1440160" cy="1262740"/>
+          </a:xfrm>
+          <a:prstGeom prst="rect">
+            <a:avLst/>
+          </a:prstGeom>
+          <a:noFill/>
+        </p:spPr>
+      </p:pic>
+      <p:pic>
+        <p:nvPicPr>
+          <p:cNvPr id="16" name="Picture 4" descr="Imatge relacionada">
+            <a:extLst>
+              <a:ext uri="{FF2B5EF4-FFF2-40B4-BE49-F238E27FC236}">
+                <a16:creationId xmlns:a16="http://schemas.microsoft.com/office/drawing/2014/main" id="{DFB48E81-3D04-D251-E8A9-41394E9605EE}"/>
+              </a:ext>
+            </a:extLst>
+          </p:cNvPr>
+          <p:cNvPicPr>
+            <a:picLocks noChangeAspect="1" noChangeArrowheads="1"/>
+          </p:cNvPicPr>
+          <p:nvPr/>
+        </p:nvPicPr>
+        <p:blipFill>
+          <a:blip r:embed="rId3" cstate="print"/>
+          <a:srcRect/>
+          <a:stretch>
+            <a:fillRect/>
+          </a:stretch>
+        </p:blipFill>
+        <p:spPr bwMode="auto">
+          <a:xfrm>
+            <a:off x="3381555" y="4309633"/>
+            <a:ext cx="1440160" cy="1795116"/>
+          </a:xfrm>
+          <a:prstGeom prst="rect">
+            <a:avLst/>
+          </a:prstGeom>
+          <a:noFill/>
+        </p:spPr>
+      </p:pic>
+      <p:pic>
+        <p:nvPicPr>
+          <p:cNvPr id="17" name="Picture 4" descr="Imatge relacionada">
+            <a:extLst>
+              <a:ext uri="{FF2B5EF4-FFF2-40B4-BE49-F238E27FC236}">
+                <a16:creationId xmlns:a16="http://schemas.microsoft.com/office/drawing/2014/main" id="{C2DF1A5A-BF43-85D4-E0FC-5A1283A09202}"/>
+              </a:ext>
+            </a:extLst>
+          </p:cNvPr>
+          <p:cNvPicPr>
+            <a:picLocks noChangeAspect="1" noChangeArrowheads="1"/>
+          </p:cNvPicPr>
+          <p:nvPr/>
+        </p:nvPicPr>
+        <p:blipFill>
+          <a:blip r:embed="rId3" cstate="print"/>
+          <a:srcRect/>
+          <a:stretch>
+            <a:fillRect/>
+          </a:stretch>
+        </p:blipFill>
+        <p:spPr bwMode="auto">
+          <a:xfrm>
+            <a:off x="2177967" y="4544829"/>
+            <a:ext cx="1440160" cy="1559920"/>
+          </a:xfrm>
+          <a:prstGeom prst="rect">
+            <a:avLst/>
+          </a:prstGeom>
+          <a:noFill/>
+        </p:spPr>
+      </p:pic>
+      <p:sp>
+        <p:nvSpPr>
+          <p:cNvPr id="18" name="Rectángulo 17">
+            <a:extLst>
+              <a:ext uri="{FF2B5EF4-FFF2-40B4-BE49-F238E27FC236}">
+                <a16:creationId xmlns:a16="http://schemas.microsoft.com/office/drawing/2014/main" id="{4942C517-5125-AEFE-04C6-4711D1B26475}"/>
+              </a:ext>
+            </a:extLst>
+          </p:cNvPr>
+          <p:cNvSpPr/>
+          <p:nvPr/>
+        </p:nvSpPr>
+        <p:spPr>
+          <a:xfrm>
+            <a:off x="3750703" y="4517145"/>
+            <a:ext cx="720090" cy="1656184"/>
+          </a:xfrm>
+          <a:prstGeom prst="rect">
+            <a:avLst/>
+          </a:prstGeom>
+          <a:noFill/>
+          <a:ln>
+            <a:solidFill>
+              <a:schemeClr val="tx1"/>
+            </a:solidFill>
+          </a:ln>
+        </p:spPr>
+        <p:style>
+          <a:lnRef idx="2">
+            <a:schemeClr val="accent1">
+              <a:shade val="50000"/>
+            </a:schemeClr>
+          </a:lnRef>
+          <a:fillRef idx="1">
+            <a:schemeClr val="accent1"/>
+          </a:fillRef>
+          <a:effectRef idx="0">
+            <a:schemeClr val="accent1"/>
+          </a:effectRef>
+          <a:fontRef idx="minor">
+            <a:schemeClr val="lt1"/>
+          </a:fontRef>
+        </p:style>
+        <p:txBody>
+          <a:bodyPr rtlCol="0" anchor="ctr"/>
+          <a:lstStyle/>
+          <a:p>
+            <a:pPr algn="ctr"/>
+            <a:endParaRPr lang="es-ES" dirty="0"/>
+          </a:p>
+        </p:txBody>
+      </p:sp>
+      <p:sp>
+        <p:nvSpPr>
+          <p:cNvPr id="19" name="CuadroTexto 18">
+            <a:extLst>
+              <a:ext uri="{FF2B5EF4-FFF2-40B4-BE49-F238E27FC236}">
+                <a16:creationId xmlns:a16="http://schemas.microsoft.com/office/drawing/2014/main" id="{056C93F7-E80E-B37D-B9A1-C0F0CF2D81BC}"/>
+              </a:ext>
+            </a:extLst>
+          </p:cNvPr>
+          <p:cNvSpPr txBox="1"/>
+          <p:nvPr/>
+        </p:nvSpPr>
+        <p:spPr>
+          <a:xfrm>
+            <a:off x="3774240" y="4079232"/>
+            <a:ext cx="696553" cy="369332"/>
+          </a:xfrm>
+          <a:prstGeom prst="rect">
+            <a:avLst/>
+          </a:prstGeom>
+          <a:noFill/>
+        </p:spPr>
+        <p:txBody>
+          <a:bodyPr wrap="square">
+            <a:spAutoFit/>
+          </a:bodyPr>
+          <a:lstStyle/>
+          <a:p>
+            <a:r>
+              <a:rPr lang="es-ES" sz="1800" b="1" dirty="0">
+                <a:latin typeface="Lucida Bright" panose="02040602050505020304" pitchFamily="18" charset="0"/>
+              </a:rPr>
+              <a:t>Max</a:t>
+            </a:r>
+            <a:endParaRPr lang="es-ES" dirty="0"/>
+          </a:p>
+        </p:txBody>
+      </p:sp>
+      <p:sp>
+        <p:nvSpPr>
+          <p:cNvPr id="20" name="Rectángulo 19">
+            <a:extLst>
+              <a:ext uri="{FF2B5EF4-FFF2-40B4-BE49-F238E27FC236}">
+                <a16:creationId xmlns:a16="http://schemas.microsoft.com/office/drawing/2014/main" id="{1A2089CD-B6D5-6569-C93A-58A20E853A41}"/>
+              </a:ext>
+            </a:extLst>
+          </p:cNvPr>
+          <p:cNvSpPr/>
+          <p:nvPr/>
+        </p:nvSpPr>
+        <p:spPr>
+          <a:xfrm>
+            <a:off x="1343680" y="4517145"/>
+            <a:ext cx="720090" cy="1656184"/>
+          </a:xfrm>
+          <a:prstGeom prst="rect">
+            <a:avLst/>
+          </a:prstGeom>
+          <a:noFill/>
+          <a:ln>
+            <a:solidFill>
+              <a:schemeClr val="tx1"/>
+            </a:solidFill>
+          </a:ln>
+        </p:spPr>
+        <p:style>
+          <a:lnRef idx="2">
+            <a:schemeClr val="accent1">
+              <a:shade val="50000"/>
+            </a:schemeClr>
+          </a:lnRef>
+          <a:fillRef idx="1">
+            <a:schemeClr val="accent1"/>
+          </a:fillRef>
+          <a:effectRef idx="0">
+            <a:schemeClr val="accent1"/>
+          </a:effectRef>
+          <a:fontRef idx="minor">
+            <a:schemeClr val="lt1"/>
+          </a:fontRef>
+        </p:style>
+        <p:txBody>
+          <a:bodyPr rtlCol="0" anchor="ctr"/>
+          <a:lstStyle/>
+          <a:p>
+            <a:pPr algn="ctr"/>
+            <a:endParaRPr lang="es-ES" dirty="0"/>
+          </a:p>
+        </p:txBody>
+      </p:sp>
+      <p:sp>
+        <p:nvSpPr>
+          <p:cNvPr id="21" name="CuadroTexto 20">
+            <a:extLst>
+              <a:ext uri="{FF2B5EF4-FFF2-40B4-BE49-F238E27FC236}">
+                <a16:creationId xmlns:a16="http://schemas.microsoft.com/office/drawing/2014/main" id="{24A04F79-49EE-27BE-18FC-3965991E267C}"/>
+              </a:ext>
+            </a:extLst>
+          </p:cNvPr>
+          <p:cNvSpPr txBox="1"/>
+          <p:nvPr/>
+        </p:nvSpPr>
+        <p:spPr>
+          <a:xfrm>
+            <a:off x="1367217" y="4079232"/>
+            <a:ext cx="696553" cy="369332"/>
+          </a:xfrm>
+          <a:prstGeom prst="rect">
+            <a:avLst/>
+          </a:prstGeom>
+          <a:noFill/>
+        </p:spPr>
+        <p:txBody>
+          <a:bodyPr wrap="square">
+            <a:spAutoFit/>
+          </a:bodyPr>
+          <a:lstStyle/>
+          <a:p>
+            <a:r>
+              <a:rPr lang="es-ES" sz="1800" b="1" dirty="0">
+                <a:latin typeface="Lucida Bright" panose="02040602050505020304" pitchFamily="18" charset="0"/>
+              </a:rPr>
+              <a:t>Min</a:t>
+            </a:r>
+            <a:endParaRPr lang="es-ES" dirty="0"/>
+          </a:p>
+        </p:txBody>
+      </p:sp>
+      <p:cxnSp>
+        <p:nvCxnSpPr>
+          <p:cNvPr id="22" name="Conector recto de flecha 21">
+            <a:extLst>
+              <a:ext uri="{FF2B5EF4-FFF2-40B4-BE49-F238E27FC236}">
+                <a16:creationId xmlns:a16="http://schemas.microsoft.com/office/drawing/2014/main" id="{99DAB812-0F7B-53B3-2E8F-F23BC54AAC3E}"/>
+              </a:ext>
+            </a:extLst>
+          </p:cNvPr>
+          <p:cNvCxnSpPr>
+            <a:cxnSpLocks/>
+          </p:cNvCxnSpPr>
+          <p:nvPr/>
+        </p:nvCxnSpPr>
+        <p:spPr>
+          <a:xfrm>
+            <a:off x="2063770" y="4289848"/>
+            <a:ext cx="1554357" cy="0"/>
+          </a:xfrm>
+          <a:prstGeom prst="straightConnector1">
+            <a:avLst/>
+          </a:prstGeom>
+          <a:ln w="19050">
+            <a:solidFill>
+              <a:srgbClr val="C00000"/>
+            </a:solidFill>
+            <a:headEnd type="triangle" w="med" len="med"/>
+            <a:tailEnd type="triangle" w="med" len="med"/>
+          </a:ln>
+        </p:spPr>
+        <p:style>
+          <a:lnRef idx="1">
+            <a:schemeClr val="accent1"/>
+          </a:lnRef>
+          <a:fillRef idx="0">
+            <a:schemeClr val="accent1"/>
+          </a:fillRef>
+          <a:effectRef idx="0">
+            <a:schemeClr val="accent1"/>
+          </a:effectRef>
+          <a:fontRef idx="minor">
+            <a:schemeClr val="tx1"/>
+          </a:fontRef>
+        </p:style>
+      </p:cxnSp>
+      <p:sp>
+        <p:nvSpPr>
+          <p:cNvPr id="23" name="CuadroTexto 24">
+            <a:extLst>
+              <a:ext uri="{FF2B5EF4-FFF2-40B4-BE49-F238E27FC236}">
+                <a16:creationId xmlns:a16="http://schemas.microsoft.com/office/drawing/2014/main" id="{C9C60DC0-D8B2-02EE-B76D-E4D658C382A6}"/>
+              </a:ext>
+            </a:extLst>
+          </p:cNvPr>
+          <p:cNvSpPr txBox="1"/>
+          <p:nvPr/>
+        </p:nvSpPr>
+        <p:spPr>
+          <a:xfrm>
+            <a:off x="2529510" y="3904421"/>
+            <a:ext cx="965906" cy="369332"/>
+          </a:xfrm>
+          <a:prstGeom prst="rect">
+            <a:avLst/>
+          </a:prstGeom>
+          <a:noFill/>
+        </p:spPr>
+        <p:txBody>
+          <a:bodyPr wrap="square">
+            <a:spAutoFit/>
+          </a:bodyPr>
+          <a:lstStyle/>
+          <a:p>
+            <a:r>
+              <a:rPr lang="es-ES" sz="1800" b="1" dirty="0" err="1">
+                <a:latin typeface="Lucida Bright" panose="02040602050505020304" pitchFamily="18" charset="0"/>
+              </a:rPr>
+              <a:t>Rang</a:t>
+            </a:r>
+            <a:endParaRPr lang="es-ES" dirty="0"/>
+          </a:p>
+        </p:txBody>
+      </p:sp>
+      <p:pic>
+        <p:nvPicPr>
+          <p:cNvPr id="24" name="Picture 4" descr="Imatge relacionada">
+            <a:extLst>
+              <a:ext uri="{FF2B5EF4-FFF2-40B4-BE49-F238E27FC236}">
+                <a16:creationId xmlns:a16="http://schemas.microsoft.com/office/drawing/2014/main" id="{6257C947-6AAB-C6E3-AD4B-CAB550BD203B}"/>
+              </a:ext>
+            </a:extLst>
+          </p:cNvPr>
+          <p:cNvPicPr>
+            <a:picLocks noChangeAspect="1" noChangeArrowheads="1"/>
+          </p:cNvPicPr>
+          <p:nvPr/>
+        </p:nvPicPr>
+        <p:blipFill>
+          <a:blip r:embed="rId3" cstate="print"/>
+          <a:srcRect/>
+          <a:stretch>
+            <a:fillRect/>
+          </a:stretch>
+        </p:blipFill>
+        <p:spPr bwMode="auto">
+          <a:xfrm>
+            <a:off x="7004998" y="4507355"/>
+            <a:ext cx="1440160" cy="1440160"/>
+          </a:xfrm>
+          <a:prstGeom prst="rect">
+            <a:avLst/>
+          </a:prstGeom>
+          <a:noFill/>
+        </p:spPr>
+      </p:pic>
+      <p:pic>
+        <p:nvPicPr>
+          <p:cNvPr id="25" name="Picture 4" descr="Imatge relacionada">
+            <a:extLst>
+              <a:ext uri="{FF2B5EF4-FFF2-40B4-BE49-F238E27FC236}">
+                <a16:creationId xmlns:a16="http://schemas.microsoft.com/office/drawing/2014/main" id="{0022DD1F-4889-4D53-1044-0514F9212AB2}"/>
+              </a:ext>
+            </a:extLst>
+          </p:cNvPr>
+          <p:cNvPicPr>
+            <a:picLocks noChangeAspect="1" noChangeArrowheads="1"/>
+          </p:cNvPicPr>
+          <p:nvPr/>
+        </p:nvPicPr>
+        <p:blipFill>
+          <a:blip r:embed="rId3" cstate="print"/>
+          <a:srcRect/>
+          <a:stretch>
+            <a:fillRect/>
+          </a:stretch>
+        </p:blipFill>
+        <p:spPr bwMode="auto">
+          <a:xfrm>
+            <a:off x="8263786" y="4291331"/>
+            <a:ext cx="1440160" cy="1656184"/>
+          </a:xfrm>
+          <a:prstGeom prst="rect">
+            <a:avLst/>
+          </a:prstGeom>
+          <a:noFill/>
+        </p:spPr>
+      </p:pic>
+      <p:pic>
+        <p:nvPicPr>
+          <p:cNvPr id="26" name="Picture 4" descr="Imatge relacionada">
+            <a:extLst>
+              <a:ext uri="{FF2B5EF4-FFF2-40B4-BE49-F238E27FC236}">
+                <a16:creationId xmlns:a16="http://schemas.microsoft.com/office/drawing/2014/main" id="{6033A018-BE68-F5D9-E58F-BCAE657703A1}"/>
+              </a:ext>
+            </a:extLst>
+          </p:cNvPr>
+          <p:cNvPicPr>
+            <a:picLocks noChangeAspect="1" noChangeArrowheads="1"/>
+          </p:cNvPicPr>
+          <p:nvPr/>
+        </p:nvPicPr>
+        <p:blipFill>
+          <a:blip r:embed="rId3" cstate="print"/>
+          <a:srcRect/>
+          <a:stretch>
+            <a:fillRect/>
+          </a:stretch>
+        </p:blipFill>
+        <p:spPr bwMode="auto">
+          <a:xfrm>
+            <a:off x="6391578" y="4684775"/>
+            <a:ext cx="1440160" cy="1262740"/>
+          </a:xfrm>
+          <a:prstGeom prst="rect">
+            <a:avLst/>
+          </a:prstGeom>
+          <a:noFill/>
+        </p:spPr>
+      </p:pic>
+      <p:pic>
+        <p:nvPicPr>
+          <p:cNvPr id="27" name="Picture 4" descr="Imatge relacionada">
+            <a:extLst>
+              <a:ext uri="{FF2B5EF4-FFF2-40B4-BE49-F238E27FC236}">
+                <a16:creationId xmlns:a16="http://schemas.microsoft.com/office/drawing/2014/main" id="{96F01B66-B6A9-1E95-B95D-96FBF99C277C}"/>
+              </a:ext>
+            </a:extLst>
+          </p:cNvPr>
+          <p:cNvPicPr>
+            <a:picLocks noChangeAspect="1" noChangeArrowheads="1"/>
+          </p:cNvPicPr>
+          <p:nvPr/>
+        </p:nvPicPr>
+        <p:blipFill>
+          <a:blip r:embed="rId3" cstate="print"/>
+          <a:srcRect/>
+          <a:stretch>
+            <a:fillRect/>
+          </a:stretch>
+        </p:blipFill>
+        <p:spPr bwMode="auto">
+          <a:xfrm>
+            <a:off x="8845590" y="4152399"/>
+            <a:ext cx="1440160" cy="1795116"/>
+          </a:xfrm>
+          <a:prstGeom prst="rect">
+            <a:avLst/>
+          </a:prstGeom>
+          <a:noFill/>
+        </p:spPr>
+      </p:pic>
+      <p:pic>
+        <p:nvPicPr>
+          <p:cNvPr id="28" name="Picture 4" descr="Imatge relacionada">
+            <a:extLst>
+              <a:ext uri="{FF2B5EF4-FFF2-40B4-BE49-F238E27FC236}">
+                <a16:creationId xmlns:a16="http://schemas.microsoft.com/office/drawing/2014/main" id="{EE4BBE5A-C3B5-4C05-85A5-1A6D6BB4BFDC}"/>
+              </a:ext>
+            </a:extLst>
+          </p:cNvPr>
+          <p:cNvPicPr>
+            <a:picLocks noChangeAspect="1" noChangeArrowheads="1"/>
+          </p:cNvPicPr>
+          <p:nvPr/>
+        </p:nvPicPr>
+        <p:blipFill>
+          <a:blip r:embed="rId3" cstate="print"/>
+          <a:srcRect/>
+          <a:stretch>
+            <a:fillRect/>
+          </a:stretch>
+        </p:blipFill>
+        <p:spPr bwMode="auto">
+          <a:xfrm>
+            <a:off x="7642002" y="4387595"/>
+            <a:ext cx="1440160" cy="1559920"/>
+          </a:xfrm>
+          <a:prstGeom prst="rect">
+            <a:avLst/>
+          </a:prstGeom>
+          <a:noFill/>
+        </p:spPr>
+      </p:pic>
+      <p:sp>
+        <p:nvSpPr>
+          <p:cNvPr id="29" name="Rectángulo 32">
+            <a:extLst>
+              <a:ext uri="{FF2B5EF4-FFF2-40B4-BE49-F238E27FC236}">
+                <a16:creationId xmlns:a16="http://schemas.microsoft.com/office/drawing/2014/main" id="{F2632A40-CFCC-D9D2-19AD-99300AA785E6}"/>
+              </a:ext>
+            </a:extLst>
+          </p:cNvPr>
+          <p:cNvSpPr/>
+          <p:nvPr/>
+        </p:nvSpPr>
+        <p:spPr>
+          <a:xfrm>
+            <a:off x="7480065" y="4359911"/>
+            <a:ext cx="1758210" cy="1656184"/>
+          </a:xfrm>
+          <a:prstGeom prst="rect">
+            <a:avLst/>
+          </a:prstGeom>
+          <a:noFill/>
+          <a:ln>
+            <a:solidFill>
+              <a:schemeClr val="tx1"/>
+            </a:solidFill>
+          </a:ln>
+        </p:spPr>
+        <p:style>
+          <a:lnRef idx="2">
+            <a:schemeClr val="accent1">
+              <a:shade val="50000"/>
+            </a:schemeClr>
+          </a:lnRef>
+          <a:fillRef idx="1">
+            <a:schemeClr val="accent1"/>
+          </a:fillRef>
+          <a:effectRef idx="0">
+            <a:schemeClr val="accent1"/>
+          </a:effectRef>
+          <a:fontRef idx="minor">
+            <a:schemeClr val="lt1"/>
+          </a:fontRef>
+        </p:style>
+        <p:txBody>
+          <a:bodyPr rtlCol="0" anchor="ctr"/>
+          <a:lstStyle/>
+          <a:p>
+            <a:pPr algn="ctr"/>
+            <a:endParaRPr lang="es-ES" dirty="0"/>
+          </a:p>
+        </p:txBody>
+      </p:sp>
+      <p:cxnSp>
+        <p:nvCxnSpPr>
+          <p:cNvPr id="30" name="Conector recto de flecha 45">
+            <a:extLst>
+              <a:ext uri="{FF2B5EF4-FFF2-40B4-BE49-F238E27FC236}">
+                <a16:creationId xmlns:a16="http://schemas.microsoft.com/office/drawing/2014/main" id="{3CD1FF20-25AD-72AC-D15E-AEB2F7DF7B2A}"/>
+              </a:ext>
+            </a:extLst>
+          </p:cNvPr>
+          <p:cNvCxnSpPr>
+            <a:cxnSpLocks/>
+          </p:cNvCxnSpPr>
+          <p:nvPr/>
+        </p:nvCxnSpPr>
+        <p:spPr>
+          <a:xfrm>
+            <a:off x="7569845" y="4132614"/>
+            <a:ext cx="1554357" cy="0"/>
+          </a:xfrm>
+          <a:prstGeom prst="straightConnector1">
+            <a:avLst/>
+          </a:prstGeom>
+          <a:ln w="19050">
+            <a:solidFill>
+              <a:srgbClr val="C00000"/>
+            </a:solidFill>
+            <a:headEnd type="triangle" w="med" len="med"/>
+            <a:tailEnd type="triangle" w="med" len="med"/>
+          </a:ln>
+        </p:spPr>
+        <p:style>
+          <a:lnRef idx="1">
+            <a:schemeClr val="accent1"/>
+          </a:lnRef>
+          <a:fillRef idx="0">
+            <a:schemeClr val="accent1"/>
+          </a:fillRef>
+          <a:effectRef idx="0">
+            <a:schemeClr val="accent1"/>
+          </a:effectRef>
+          <a:fontRef idx="minor">
+            <a:schemeClr val="tx1"/>
+          </a:fontRef>
+        </p:style>
+      </p:cxnSp>
+      <p:sp>
+        <p:nvSpPr>
+          <p:cNvPr id="31" name="CuadroTexto 47">
+            <a:extLst>
+              <a:ext uri="{FF2B5EF4-FFF2-40B4-BE49-F238E27FC236}">
+                <a16:creationId xmlns:a16="http://schemas.microsoft.com/office/drawing/2014/main" id="{64967A6E-A58B-3F0D-6C8A-3E3A0B2E27D8}"/>
+              </a:ext>
+            </a:extLst>
+          </p:cNvPr>
+          <p:cNvSpPr txBox="1"/>
+          <p:nvPr/>
+        </p:nvSpPr>
+        <p:spPr>
+          <a:xfrm>
+            <a:off x="8054934" y="3747187"/>
+            <a:ext cx="965906" cy="369332"/>
+          </a:xfrm>
+          <a:prstGeom prst="rect">
+            <a:avLst/>
+          </a:prstGeom>
+          <a:noFill/>
+        </p:spPr>
+        <p:txBody>
+          <a:bodyPr wrap="square">
+            <a:spAutoFit/>
+          </a:bodyPr>
+          <a:lstStyle/>
+          <a:p>
+            <a:r>
+              <a:rPr lang="es-ES" sz="1800" b="1" dirty="0">
+                <a:latin typeface="Lucida Bright" panose="02040602050505020304" pitchFamily="18" charset="0"/>
+              </a:rPr>
+              <a:t>IQR</a:t>
+            </a:r>
+            <a:endParaRPr lang="es-ES" dirty="0"/>
+          </a:p>
+        </p:txBody>
+      </p:sp>
+      <p:sp>
+        <p:nvSpPr>
+          <p:cNvPr id="32" name="CuadroTexto 1">
+            <a:extLst>
+              <a:ext uri="{FF2B5EF4-FFF2-40B4-BE49-F238E27FC236}">
+                <a16:creationId xmlns:a16="http://schemas.microsoft.com/office/drawing/2014/main" id="{563A6E43-3708-9FD2-FFC7-5BEDAEF18E98}"/>
+              </a:ext>
+            </a:extLst>
+          </p:cNvPr>
+          <p:cNvSpPr txBox="1"/>
+          <p:nvPr/>
+        </p:nvSpPr>
+        <p:spPr>
+          <a:xfrm>
+            <a:off x="7042037" y="4038598"/>
+            <a:ext cx="582915" cy="323165"/>
+          </a:xfrm>
+          <a:prstGeom prst="rect">
+            <a:avLst/>
+          </a:prstGeom>
+          <a:noFill/>
+        </p:spPr>
+        <p:txBody>
+          <a:bodyPr wrap="square">
+            <a:spAutoFit/>
+          </a:bodyPr>
+          <a:lstStyle/>
+          <a:p>
+            <a:r>
+              <a:rPr lang="es-ES" sz="1500" b="1" dirty="0">
+                <a:latin typeface="Lucida Bright" panose="02040602050505020304" pitchFamily="18" charset="0"/>
+              </a:rPr>
+              <a:t>25%</a:t>
+            </a:r>
+            <a:endParaRPr lang="es-ES" sz="1500" dirty="0"/>
+          </a:p>
+        </p:txBody>
+      </p:sp>
+      <p:sp>
+        <p:nvSpPr>
+          <p:cNvPr id="33" name="CuadroTexto 2">
+            <a:extLst>
+              <a:ext uri="{FF2B5EF4-FFF2-40B4-BE49-F238E27FC236}">
+                <a16:creationId xmlns:a16="http://schemas.microsoft.com/office/drawing/2014/main" id="{2EFAF4A0-C82D-E135-7FC5-46D4B36930AF}"/>
+              </a:ext>
+            </a:extLst>
+          </p:cNvPr>
+          <p:cNvSpPr txBox="1"/>
+          <p:nvPr/>
+        </p:nvSpPr>
+        <p:spPr>
+          <a:xfrm>
+            <a:off x="9049508" y="4038598"/>
+            <a:ext cx="582915" cy="323165"/>
+          </a:xfrm>
+          <a:prstGeom prst="rect">
+            <a:avLst/>
+          </a:prstGeom>
+          <a:noFill/>
+        </p:spPr>
+        <p:txBody>
+          <a:bodyPr wrap="square">
+            <a:spAutoFit/>
+          </a:bodyPr>
+          <a:lstStyle/>
+          <a:p>
+            <a:r>
+              <a:rPr lang="es-ES" sz="1500" b="1" dirty="0">
+                <a:latin typeface="Lucida Bright" panose="02040602050505020304" pitchFamily="18" charset="0"/>
+              </a:rPr>
+              <a:t>75%</a:t>
+            </a:r>
+            <a:endParaRPr lang="es-ES" sz="1500" dirty="0"/>
+          </a:p>
+        </p:txBody>
+      </p:sp>
+    </p:spTree>
+    <p:extLst>
+      <p:ext uri="{BB962C8B-B14F-4D97-AF65-F5344CB8AC3E}">
+        <p14:creationId xmlns:p14="http://schemas.microsoft.com/office/powerpoint/2010/main" val="1006993697"/>
       </p:ext>
     </p:extLst>
   </p:cSld>
